--- a/Courses/Computer-Modeling-and-IT/Computer-Modeling-and-IT-6-Class/01-Basic-Units-of-Information/01-Information-and-Units-of-Measurement.pptx
+++ b/Courses/Computer-Modeling-and-IT/Computer-Modeling-and-IT-6-Class/01-Basic-Units-of-Information/01-Information-and-Units-of-Measurement.pptx
@@ -279,7 +279,7 @@
           <a:p>
             <a:fld id="{4E087215-0C8F-4762-A664-737A353EC9A4}" type="datetimeFigureOut">
               <a:rPr lang="bg-BG" smtClean="0"/>
-              <a:t>13.5.2024 г.</a:t>
+              <a:t>13.05.24 г.</a:t>
             </a:fld>
             <a:endParaRPr lang="bg-BG"/>
           </a:p>
@@ -475,7 +475,7 @@
           <a:p>
             <a:fld id="{72D84649-876A-46C9-8472-14CB09C070D8}" type="datetimeFigureOut">
               <a:rPr lang="en-US" smtClean="0"/>
-              <a:t>13-May-24</a:t>
+              <a:t>5/13/24</a:t>
             </a:fld>
             <a:endParaRPr lang="en-US"/>
           </a:p>
@@ -1310,6 +1310,127 @@
           <a:bodyPr/>
           <a:lstStyle/>
           <a:p>
+            <a:endParaRPr lang="bg-BG" dirty="0"/>
+          </a:p>
+        </p:txBody>
+      </p:sp>
+      <p:sp>
+        <p:nvSpPr>
+          <p:cNvPr id="4" name="Slide Number Placeholder 3"/>
+          <p:cNvSpPr>
+            <a:spLocks noGrp="1"/>
+          </p:cNvSpPr>
+          <p:nvPr>
+            <p:ph type="sldNum" sz="quarter" idx="5"/>
+          </p:nvPr>
+        </p:nvSpPr>
+        <p:spPr/>
+        <p:txBody>
+          <a:bodyPr/>
+          <a:lstStyle/>
+          <a:p>
+            <a:fld id="{2BF067CD-8E6B-4360-9AA8-C5DF2A48A6D1}" type="slidenum">
+              <a:rPr lang="en-US" smtClean="0"/>
+              <a:t>13</a:t>
+            </a:fld>
+            <a:endParaRPr lang="en-US" dirty="0"/>
+          </a:p>
+        </p:txBody>
+      </p:sp>
+      <p:sp>
+        <p:nvSpPr>
+          <p:cNvPr id="5" name="Footer Placeholder 4"/>
+          <p:cNvSpPr>
+            <a:spLocks noGrp="1"/>
+          </p:cNvSpPr>
+          <p:nvPr>
+            <p:ph type="ftr" sz="quarter" idx="4"/>
+          </p:nvPr>
+        </p:nvSpPr>
+        <p:spPr/>
+        <p:txBody>
+          <a:bodyPr/>
+          <a:lstStyle/>
+          <a:p>
+            <a:r>
+              <a:rPr lang="bg-BG" sz="1100"/>
+              <a:t>Работна група </a:t>
+            </a:r>
+            <a:r>
+              <a:rPr lang="bg-BG"/>
+              <a:t>"Образование по програмиране и ИТ"</a:t>
+            </a:r>
+            <a:r>
+              <a:rPr lang="bg-BG" sz="1100"/>
+              <a:t>, с подкрепата на </a:t>
+            </a:r>
+            <a:r>
+              <a:rPr lang="en-US" sz="1100">
+                <a:hlinkClick r:id="rId3"/>
+              </a:rPr>
+              <a:t>SoftUni</a:t>
+            </a:r>
+            <a:endParaRPr lang="en-US" sz="1100" dirty="0"/>
+          </a:p>
+        </p:txBody>
+      </p:sp>
+    </p:spTree>
+    <p:extLst>
+      <p:ext uri="{BB962C8B-B14F-4D97-AF65-F5344CB8AC3E}">
+        <p14:creationId xmlns:p14="http://schemas.microsoft.com/office/powerpoint/2010/main" val="901009448"/>
+      </p:ext>
+    </p:extLst>
+  </p:cSld>
+  <p:clrMapOvr>
+    <a:masterClrMapping/>
+  </p:clrMapOvr>
+</p:notes>
+</file>
+
+<file path=ppt/notesSlides/notesSlide5.xml><?xml version="1.0" encoding="utf-8"?>
+<p:notes xmlns:a="http://schemas.openxmlformats.org/drawingml/2006/main" xmlns:r="http://schemas.openxmlformats.org/officeDocument/2006/relationships" xmlns:p="http://schemas.openxmlformats.org/presentationml/2006/main">
+  <p:cSld>
+    <p:spTree>
+      <p:nvGrpSpPr>
+        <p:cNvPr id="1" name=""/>
+        <p:cNvGrpSpPr/>
+        <p:nvPr/>
+      </p:nvGrpSpPr>
+      <p:grpSpPr>
+        <a:xfrm>
+          <a:off x="0" y="0"/>
+          <a:ext cx="0" cy="0"/>
+          <a:chOff x="0" y="0"/>
+          <a:chExt cx="0" cy="0"/>
+        </a:xfrm>
+      </p:grpSpPr>
+      <p:sp>
+        <p:nvSpPr>
+          <p:cNvPr id="2" name="Slide Image Placeholder 1"/>
+          <p:cNvSpPr>
+            <a:spLocks noGrp="1" noRot="1" noChangeAspect="1"/>
+          </p:cNvSpPr>
+          <p:nvPr>
+            <p:ph type="sldImg"/>
+          </p:nvPr>
+        </p:nvSpPr>
+        <p:spPr/>
+      </p:sp>
+      <p:sp>
+        <p:nvSpPr>
+          <p:cNvPr id="3" name="Notes Placeholder 2"/>
+          <p:cNvSpPr>
+            <a:spLocks noGrp="1"/>
+          </p:cNvSpPr>
+          <p:nvPr>
+            <p:ph type="body" idx="1"/>
+          </p:nvPr>
+        </p:nvSpPr>
+        <p:spPr/>
+        <p:txBody>
+          <a:bodyPr/>
+          <a:lstStyle/>
+          <a:p>
             <a:endParaRPr lang="en-US" dirty="0"/>
           </a:p>
         </p:txBody>
@@ -1400,7 +1521,7 @@
 </p:notes>
 </file>
 
-<file path=ppt/notesSlides/notesSlide5.xml><?xml version="1.0" encoding="utf-8"?>
+<file path=ppt/notesSlides/notesSlide6.xml><?xml version="1.0" encoding="utf-8"?>
 <p:notes xmlns:a="http://schemas.openxmlformats.org/drawingml/2006/main" xmlns:r="http://schemas.openxmlformats.org/officeDocument/2006/relationships" xmlns:p="http://schemas.openxmlformats.org/presentationml/2006/main">
   <p:cSld>
     <p:spTree>
@@ -1630,7 +1751,7 @@
 </p:notes>
 </file>
 
-<file path=ppt/notesSlides/notesSlide6.xml><?xml version="1.0" encoding="utf-8"?>
+<file path=ppt/notesSlides/notesSlide7.xml><?xml version="1.0" encoding="utf-8"?>
 <p:notes xmlns:a="http://schemas.openxmlformats.org/drawingml/2006/main" xmlns:r="http://schemas.openxmlformats.org/officeDocument/2006/relationships" xmlns:p="http://schemas.openxmlformats.org/presentationml/2006/main">
   <p:cSld>
     <p:spTree>
@@ -7216,30 +7337,6 @@
           <a:chExt cx="0" cy="0"/>
         </a:xfrm>
       </p:grpSpPr>
-      <p:sp>
-        <p:nvSpPr>
-          <p:cNvPr id="2" name="Slide Number Placeholder 1"/>
-          <p:cNvSpPr>
-            <a:spLocks noGrp="1"/>
-          </p:cNvSpPr>
-          <p:nvPr>
-            <p:ph type="sldNum" sz="quarter" idx="5"/>
-          </p:nvPr>
-        </p:nvSpPr>
-        <p:spPr/>
-        <p:txBody>
-          <a:bodyPr/>
-          <a:lstStyle/>
-          <a:p>
-            <a:fld id="{2BF067CD-8E6B-4360-9AA8-C5DF2A48A6D1}" type="slidenum">
-              <a:rPr lang="en-US" noProof="0" smtClean="0"/>
-              <a:pPr/>
-              <a:t>10</a:t>
-            </a:fld>
-            <a:endParaRPr lang="en-US" noProof="0" dirty="0"/>
-          </a:p>
-        </p:txBody>
-      </p:sp>
       <p:sp>
         <p:nvSpPr>
           <p:cNvPr id="4" name="Title 3"/>
@@ -8032,6 +8129,36 @@
           </a:fontRef>
         </p:style>
       </p:cxnSp>
+      <p:sp>
+        <p:nvSpPr>
+          <p:cNvPr id="3" name="Slide Number Placeholder 2">
+            <a:extLst>
+              <a:ext uri="{FF2B5EF4-FFF2-40B4-BE49-F238E27FC236}">
+                <a16:creationId xmlns:a16="http://schemas.microsoft.com/office/drawing/2014/main" id="{A3CBCB68-48B3-65B4-6790-8B9332371154}"/>
+              </a:ext>
+            </a:extLst>
+          </p:cNvPr>
+          <p:cNvSpPr>
+            <a:spLocks noGrp="1"/>
+          </p:cNvSpPr>
+          <p:nvPr>
+            <p:ph type="sldNum" sz="quarter" idx="5"/>
+          </p:nvPr>
+        </p:nvSpPr>
+        <p:spPr/>
+        <p:txBody>
+          <a:bodyPr/>
+          <a:lstStyle/>
+          <a:p>
+            <a:fld id="{2BF067CD-8E6B-4360-9AA8-C5DF2A48A6D1}" type="slidenum">
+              <a:rPr lang="en-US" noProof="0" smtClean="0"/>
+              <a:pPr/>
+              <a:t>10</a:t>
+            </a:fld>
+            <a:endParaRPr lang="en-US" noProof="0" dirty="0"/>
+          </a:p>
+        </p:txBody>
+      </p:sp>
     </p:spTree>
     <p:extLst>
       <p:ext uri="{BB962C8B-B14F-4D97-AF65-F5344CB8AC3E}">
@@ -8857,6 +8984,36 @@
           </a:extLst>
         </p:spPr>
       </p:pic>
+      <p:sp>
+        <p:nvSpPr>
+          <p:cNvPr id="2" name="Slide Number Placeholder 1">
+            <a:extLst>
+              <a:ext uri="{FF2B5EF4-FFF2-40B4-BE49-F238E27FC236}">
+                <a16:creationId xmlns:a16="http://schemas.microsoft.com/office/drawing/2014/main" id="{977E5F3A-EAED-FB67-EB19-217E0627E34F}"/>
+              </a:ext>
+            </a:extLst>
+          </p:cNvPr>
+          <p:cNvSpPr>
+            <a:spLocks noGrp="1"/>
+          </p:cNvSpPr>
+          <p:nvPr>
+            <p:ph type="sldNum" sz="quarter" idx="5"/>
+          </p:nvPr>
+        </p:nvSpPr>
+        <p:spPr/>
+        <p:txBody>
+          <a:bodyPr/>
+          <a:lstStyle/>
+          <a:p>
+            <a:fld id="{2BF067CD-8E6B-4360-9AA8-C5DF2A48A6D1}" type="slidenum">
+              <a:rPr lang="en-US" noProof="0" smtClean="0"/>
+              <a:pPr/>
+              <a:t>12</a:t>
+            </a:fld>
+            <a:endParaRPr lang="en-US" noProof="0" dirty="0"/>
+          </a:p>
+        </p:txBody>
+      </p:sp>
     </p:spTree>
     <p:extLst>
       <p:ext uri="{BB962C8B-B14F-4D97-AF65-F5344CB8AC3E}">
@@ -9025,30 +9182,6 @@
       </p:grpSpPr>
       <p:sp>
         <p:nvSpPr>
-          <p:cNvPr id="2" name="Slide Number Placeholder 1"/>
-          <p:cNvSpPr>
-            <a:spLocks noGrp="1"/>
-          </p:cNvSpPr>
-          <p:nvPr>
-            <p:ph type="sldNum" sz="quarter" idx="5"/>
-          </p:nvPr>
-        </p:nvSpPr>
-        <p:spPr/>
-        <p:txBody>
-          <a:bodyPr/>
-          <a:lstStyle/>
-          <a:p>
-            <a:fld id="{2BF067CD-8E6B-4360-9AA8-C5DF2A48A6D1}" type="slidenum">
-              <a:rPr lang="en-US" noProof="0" smtClean="0"/>
-              <a:pPr/>
-              <a:t>13</a:t>
-            </a:fld>
-            <a:endParaRPr lang="en-US" noProof="0" dirty="0"/>
-          </a:p>
-        </p:txBody>
-      </p:sp>
-      <p:sp>
-        <p:nvSpPr>
           <p:cNvPr id="3" name="Text Placeholder 2"/>
           <p:cNvSpPr>
             <a:spLocks noGrp="1"/>
@@ -9233,86 +9366,13 @@
       </p:sp>
       <p:sp>
         <p:nvSpPr>
-          <p:cNvPr id="5" name="Rectangle 4"/>
-          <p:cNvSpPr/>
-          <p:nvPr/>
-        </p:nvSpPr>
-        <p:spPr bwMode="auto">
-          <a:xfrm>
-            <a:off x="1191000" y="5191836"/>
-            <a:ext cx="900000" cy="675000"/>
-          </a:xfrm>
-          <a:prstGeom prst="rect">
-            <a:avLst/>
-          </a:prstGeom>
-          <a:solidFill>
-            <a:schemeClr val="dk2">
-              <a:alpha val="80000"/>
-            </a:schemeClr>
-          </a:solidFill>
-          <a:ln w="19050">
-            <a:solidFill>
-              <a:schemeClr val="tx1">
-                <a:lumMod val="75000"/>
-                <a:alpha val="80000"/>
-              </a:schemeClr>
-            </a:solidFill>
-          </a:ln>
-          <a:effectLst/>
-        </p:spPr>
-        <p:style>
-          <a:lnRef idx="2">
-            <a:schemeClr val="accent1">
-              <a:shade val="50000"/>
-            </a:schemeClr>
-          </a:lnRef>
-          <a:fillRef idx="1001">
-            <a:schemeClr val="dk2"/>
-          </a:fillRef>
-          <a:effectRef idx="0">
-            <a:schemeClr val="accent1"/>
-          </a:effectRef>
-          <a:fontRef idx="minor">
-            <a:schemeClr val="lt1"/>
-          </a:fontRef>
-        </p:style>
-        <p:txBody>
-          <a:bodyPr rot="0" spcFirstLastPara="0" vertOverflow="overflow" horzOverflow="overflow" vert="horz" wrap="square" lIns="91440" tIns="45720" rIns="91440" bIns="45720" numCol="1" spcCol="0" rtlCol="0" fromWordArt="0" anchor="ctr" anchorCtr="0" forceAA="0" compatLnSpc="1">
-            <a:prstTxWarp prst="textNoShape">
-              <a:avLst/>
-            </a:prstTxWarp>
-            <a:noAutofit/>
-          </a:bodyPr>
-          <a:lstStyle/>
-          <a:p>
-            <a:pPr algn="ctr"/>
-            <a:r>
-              <a:rPr lang="en-US" sz="2800" b="1" dirty="0">
-                <a:solidFill>
-                  <a:srgbClr val="FFFFFF"/>
-                </a:solidFill>
-                <a:effectLst>
-                  <a:outerShdw blurRad="38100" dist="38100" dir="2700000" algn="tl">
-                    <a:srgbClr val="000000">
-                      <a:alpha val="43137"/>
-                    </a:srgbClr>
-                  </a:outerShdw>
-                </a:effectLst>
-              </a:rPr>
-              <a:t>0</a:t>
-            </a:r>
-          </a:p>
-        </p:txBody>
-      </p:sp>
-      <p:sp>
-        <p:nvSpPr>
           <p:cNvPr id="6" name="TextBox 5"/>
           <p:cNvSpPr txBox="1"/>
           <p:nvPr/>
         </p:nvSpPr>
         <p:spPr>
           <a:xfrm>
-            <a:off x="2226000" y="4325680"/>
+            <a:off x="1697869" y="4300750"/>
             <a:ext cx="1728308" cy="759796"/>
           </a:xfrm>
           <a:prstGeom prst="rect">
@@ -9348,681 +9408,36 @@
           </a:p>
         </p:txBody>
       </p:sp>
-      <p:sp>
-        <p:nvSpPr>
-          <p:cNvPr id="8" name="Rectangle 7"/>
-          <p:cNvSpPr/>
-          <p:nvPr/>
-        </p:nvSpPr>
-        <p:spPr bwMode="auto">
-          <a:xfrm>
-            <a:off x="2190154" y="5191836"/>
-            <a:ext cx="900000" cy="675000"/>
-          </a:xfrm>
-          <a:prstGeom prst="rect">
-            <a:avLst/>
-          </a:prstGeom>
-          <a:solidFill>
-            <a:schemeClr val="dk2">
-              <a:alpha val="80000"/>
-            </a:schemeClr>
-          </a:solidFill>
-          <a:ln w="19050">
-            <a:solidFill>
-              <a:schemeClr val="tx1">
-                <a:lumMod val="75000"/>
-                <a:alpha val="80000"/>
-              </a:schemeClr>
-            </a:solidFill>
-          </a:ln>
-          <a:effectLst/>
-        </p:spPr>
-        <p:style>
-          <a:lnRef idx="2">
-            <a:schemeClr val="accent1">
-              <a:shade val="50000"/>
-            </a:schemeClr>
-          </a:lnRef>
-          <a:fillRef idx="1001">
-            <a:schemeClr val="dk2"/>
-          </a:fillRef>
-          <a:effectRef idx="0">
-            <a:schemeClr val="accent1"/>
-          </a:effectRef>
-          <a:fontRef idx="minor">
-            <a:schemeClr val="lt1"/>
-          </a:fontRef>
-        </p:style>
-        <p:txBody>
-          <a:bodyPr rot="0" spcFirstLastPara="0" vertOverflow="overflow" horzOverflow="overflow" vert="horz" wrap="square" lIns="91440" tIns="45720" rIns="91440" bIns="45720" numCol="1" spcCol="0" rtlCol="0" fromWordArt="0" anchor="ctr" anchorCtr="0" forceAA="0" compatLnSpc="1">
-            <a:prstTxWarp prst="textNoShape">
-              <a:avLst/>
-            </a:prstTxWarp>
-            <a:noAutofit/>
-          </a:bodyPr>
-          <a:lstStyle/>
-          <a:p>
-            <a:pPr algn="ctr"/>
-            <a:r>
-              <a:rPr lang="en-US" sz="2800" b="1" dirty="0">
-                <a:solidFill>
-                  <a:srgbClr val="FFFFFF"/>
-                </a:solidFill>
-                <a:effectLst>
-                  <a:outerShdw blurRad="38100" dist="38100" dir="2700000" algn="tl">
-                    <a:srgbClr val="000000">
-                      <a:alpha val="43137"/>
-                    </a:srgbClr>
-                  </a:outerShdw>
-                </a:effectLst>
-              </a:rPr>
-              <a:t>1</a:t>
-            </a:r>
-          </a:p>
-        </p:txBody>
-      </p:sp>
-      <p:sp>
-        <p:nvSpPr>
-          <p:cNvPr id="9" name="Rectangle 8"/>
-          <p:cNvSpPr/>
-          <p:nvPr/>
-        </p:nvSpPr>
-        <p:spPr bwMode="auto">
-          <a:xfrm>
-            <a:off x="3189308" y="5191836"/>
-            <a:ext cx="900000" cy="675000"/>
-          </a:xfrm>
-          <a:prstGeom prst="rect">
-            <a:avLst/>
-          </a:prstGeom>
-          <a:solidFill>
-            <a:schemeClr val="dk2">
-              <a:alpha val="80000"/>
-            </a:schemeClr>
-          </a:solidFill>
-          <a:ln w="19050">
-            <a:solidFill>
-              <a:schemeClr val="tx1">
-                <a:lumMod val="75000"/>
-                <a:alpha val="80000"/>
-              </a:schemeClr>
-            </a:solidFill>
-          </a:ln>
-          <a:effectLst/>
-        </p:spPr>
-        <p:style>
-          <a:lnRef idx="2">
-            <a:schemeClr val="accent1">
-              <a:shade val="50000"/>
-            </a:schemeClr>
-          </a:lnRef>
-          <a:fillRef idx="1001">
-            <a:schemeClr val="dk2"/>
-          </a:fillRef>
-          <a:effectRef idx="0">
-            <a:schemeClr val="accent1"/>
-          </a:effectRef>
-          <a:fontRef idx="minor">
-            <a:schemeClr val="lt1"/>
-          </a:fontRef>
-        </p:style>
-        <p:txBody>
-          <a:bodyPr rot="0" spcFirstLastPara="0" vertOverflow="overflow" horzOverflow="overflow" vert="horz" wrap="square" lIns="91440" tIns="45720" rIns="91440" bIns="45720" numCol="1" spcCol="0" rtlCol="0" fromWordArt="0" anchor="ctr" anchorCtr="0" forceAA="0" compatLnSpc="1">
-            <a:prstTxWarp prst="textNoShape">
-              <a:avLst/>
-            </a:prstTxWarp>
-            <a:noAutofit/>
-          </a:bodyPr>
-          <a:lstStyle/>
-          <a:p>
-            <a:pPr algn="ctr"/>
-            <a:r>
-              <a:rPr lang="en-US" sz="2800" b="1" dirty="0">
-                <a:solidFill>
-                  <a:srgbClr val="FFFFFF"/>
-                </a:solidFill>
-                <a:effectLst>
-                  <a:outerShdw blurRad="38100" dist="38100" dir="2700000" algn="tl">
-                    <a:srgbClr val="000000">
-                      <a:alpha val="43137"/>
-                    </a:srgbClr>
-                  </a:outerShdw>
-                </a:effectLst>
-              </a:rPr>
-              <a:t>0</a:t>
-            </a:r>
-          </a:p>
-        </p:txBody>
-      </p:sp>
-      <p:sp>
-        <p:nvSpPr>
-          <p:cNvPr id="10" name="Rectangle 9"/>
-          <p:cNvSpPr/>
-          <p:nvPr/>
-        </p:nvSpPr>
-        <p:spPr bwMode="auto">
-          <a:xfrm>
-            <a:off x="4188462" y="5191836"/>
-            <a:ext cx="900000" cy="675000"/>
-          </a:xfrm>
-          <a:prstGeom prst="rect">
-            <a:avLst/>
-          </a:prstGeom>
-          <a:solidFill>
-            <a:schemeClr val="dk2">
-              <a:alpha val="80000"/>
-            </a:schemeClr>
-          </a:solidFill>
-          <a:ln w="19050">
-            <a:solidFill>
-              <a:schemeClr val="tx1">
-                <a:lumMod val="75000"/>
-                <a:alpha val="80000"/>
-              </a:schemeClr>
-            </a:solidFill>
-          </a:ln>
-          <a:effectLst/>
-        </p:spPr>
-        <p:style>
-          <a:lnRef idx="2">
-            <a:schemeClr val="accent1">
-              <a:shade val="50000"/>
-            </a:schemeClr>
-          </a:lnRef>
-          <a:fillRef idx="1001">
-            <a:schemeClr val="dk2"/>
-          </a:fillRef>
-          <a:effectRef idx="0">
-            <a:schemeClr val="accent1"/>
-          </a:effectRef>
-          <a:fontRef idx="minor">
-            <a:schemeClr val="lt1"/>
-          </a:fontRef>
-        </p:style>
-        <p:txBody>
-          <a:bodyPr rot="0" spcFirstLastPara="0" vertOverflow="overflow" horzOverflow="overflow" vert="horz" wrap="square" lIns="91440" tIns="45720" rIns="91440" bIns="45720" numCol="1" spcCol="0" rtlCol="0" fromWordArt="0" anchor="ctr" anchorCtr="0" forceAA="0" compatLnSpc="1">
-            <a:prstTxWarp prst="textNoShape">
-              <a:avLst/>
-            </a:prstTxWarp>
-            <a:noAutofit/>
-          </a:bodyPr>
-          <a:lstStyle/>
-          <a:p>
-            <a:pPr algn="ctr"/>
-            <a:r>
-              <a:rPr lang="en-US" sz="2800" b="1" dirty="0">
-                <a:solidFill>
-                  <a:srgbClr val="FFFFFF"/>
-                </a:solidFill>
-                <a:effectLst>
-                  <a:outerShdw blurRad="38100" dist="38100" dir="2700000" algn="tl">
-                    <a:srgbClr val="000000">
-                      <a:alpha val="43137"/>
-                    </a:srgbClr>
-                  </a:outerShdw>
-                </a:effectLst>
-              </a:rPr>
-              <a:t>0</a:t>
-            </a:r>
-          </a:p>
-        </p:txBody>
-      </p:sp>
-      <p:sp>
-        <p:nvSpPr>
-          <p:cNvPr id="11" name="Rectangle 10"/>
-          <p:cNvSpPr/>
-          <p:nvPr/>
-        </p:nvSpPr>
-        <p:spPr bwMode="auto">
-          <a:xfrm>
-            <a:off x="1191000" y="5950079"/>
-            <a:ext cx="900000" cy="675000"/>
-          </a:xfrm>
-          <a:prstGeom prst="rect">
-            <a:avLst/>
-          </a:prstGeom>
-          <a:solidFill>
-            <a:schemeClr val="dk2">
-              <a:alpha val="80000"/>
-            </a:schemeClr>
-          </a:solidFill>
-          <a:ln w="19050">
-            <a:solidFill>
-              <a:schemeClr val="tx1">
-                <a:lumMod val="75000"/>
-                <a:alpha val="80000"/>
-              </a:schemeClr>
-            </a:solidFill>
-          </a:ln>
-          <a:effectLst/>
-        </p:spPr>
-        <p:style>
-          <a:lnRef idx="2">
-            <a:schemeClr val="accent1">
-              <a:shade val="50000"/>
-            </a:schemeClr>
-          </a:lnRef>
-          <a:fillRef idx="1001">
-            <a:schemeClr val="dk2"/>
-          </a:fillRef>
-          <a:effectRef idx="0">
-            <a:schemeClr val="accent1"/>
-          </a:effectRef>
-          <a:fontRef idx="minor">
-            <a:schemeClr val="lt1"/>
-          </a:fontRef>
-        </p:style>
-        <p:txBody>
-          <a:bodyPr rot="0" spcFirstLastPara="0" vertOverflow="overflow" horzOverflow="overflow" vert="horz" wrap="square" lIns="91440" tIns="45720" rIns="91440" bIns="45720" numCol="1" spcCol="0" rtlCol="0" fromWordArt="0" anchor="ctr" anchorCtr="0" forceAA="0" compatLnSpc="1">
-            <a:prstTxWarp prst="textNoShape">
-              <a:avLst/>
-            </a:prstTxWarp>
-            <a:noAutofit/>
-          </a:bodyPr>
-          <a:lstStyle/>
-          <a:p>
-            <a:pPr algn="ctr"/>
-            <a:r>
-              <a:rPr lang="en-US" sz="2800" b="1" dirty="0">
-                <a:solidFill>
-                  <a:srgbClr val="FFFFFF"/>
-                </a:solidFill>
-                <a:effectLst>
-                  <a:outerShdw blurRad="38100" dist="38100" dir="2700000" algn="tl">
-                    <a:srgbClr val="000000">
-                      <a:alpha val="43137"/>
-                    </a:srgbClr>
-                  </a:outerShdw>
-                </a:effectLst>
-              </a:rPr>
-              <a:t>0</a:t>
-            </a:r>
-          </a:p>
-        </p:txBody>
-      </p:sp>
-      <p:sp>
-        <p:nvSpPr>
-          <p:cNvPr id="12" name="Rectangle 11"/>
-          <p:cNvSpPr/>
-          <p:nvPr/>
-        </p:nvSpPr>
-        <p:spPr bwMode="auto">
-          <a:xfrm>
-            <a:off x="2190154" y="5950079"/>
-            <a:ext cx="900000" cy="675000"/>
-          </a:xfrm>
-          <a:prstGeom prst="rect">
-            <a:avLst/>
-          </a:prstGeom>
-          <a:solidFill>
-            <a:schemeClr val="dk2">
-              <a:alpha val="80000"/>
-            </a:schemeClr>
-          </a:solidFill>
-          <a:ln w="19050">
-            <a:solidFill>
-              <a:schemeClr val="tx1">
-                <a:lumMod val="75000"/>
-                <a:alpha val="80000"/>
-              </a:schemeClr>
-            </a:solidFill>
-          </a:ln>
-          <a:effectLst/>
-        </p:spPr>
-        <p:style>
-          <a:lnRef idx="2">
-            <a:schemeClr val="accent1">
-              <a:shade val="50000"/>
-            </a:schemeClr>
-          </a:lnRef>
-          <a:fillRef idx="1001">
-            <a:schemeClr val="dk2"/>
-          </a:fillRef>
-          <a:effectRef idx="0">
-            <a:schemeClr val="accent1"/>
-          </a:effectRef>
-          <a:fontRef idx="minor">
-            <a:schemeClr val="lt1"/>
-          </a:fontRef>
-        </p:style>
-        <p:txBody>
-          <a:bodyPr rot="0" spcFirstLastPara="0" vertOverflow="overflow" horzOverflow="overflow" vert="horz" wrap="square" lIns="91440" tIns="45720" rIns="91440" bIns="45720" numCol="1" spcCol="0" rtlCol="0" fromWordArt="0" anchor="ctr" anchorCtr="0" forceAA="0" compatLnSpc="1">
-            <a:prstTxWarp prst="textNoShape">
-              <a:avLst/>
-            </a:prstTxWarp>
-            <a:noAutofit/>
-          </a:bodyPr>
-          <a:lstStyle/>
-          <a:p>
-            <a:pPr algn="ctr"/>
-            <a:r>
-              <a:rPr lang="en-US" sz="2800" b="1" dirty="0">
-                <a:solidFill>
-                  <a:srgbClr val="FFFFFF"/>
-                </a:solidFill>
-                <a:effectLst>
-                  <a:outerShdw blurRad="38100" dist="38100" dir="2700000" algn="tl">
-                    <a:srgbClr val="000000">
-                      <a:alpha val="43137"/>
-                    </a:srgbClr>
-                  </a:outerShdw>
-                </a:effectLst>
-              </a:rPr>
-              <a:t>0</a:t>
-            </a:r>
-          </a:p>
-        </p:txBody>
-      </p:sp>
-      <p:sp>
-        <p:nvSpPr>
-          <p:cNvPr id="13" name="Rectangle 12"/>
-          <p:cNvSpPr/>
-          <p:nvPr/>
-        </p:nvSpPr>
-        <p:spPr bwMode="auto">
-          <a:xfrm>
-            <a:off x="3189308" y="5950079"/>
-            <a:ext cx="900000" cy="675000"/>
-          </a:xfrm>
-          <a:prstGeom prst="rect">
-            <a:avLst/>
-          </a:prstGeom>
-          <a:solidFill>
-            <a:schemeClr val="dk2">
-              <a:alpha val="80000"/>
-            </a:schemeClr>
-          </a:solidFill>
-          <a:ln w="19050">
-            <a:solidFill>
-              <a:schemeClr val="tx1">
-                <a:lumMod val="75000"/>
-                <a:alpha val="80000"/>
-              </a:schemeClr>
-            </a:solidFill>
-          </a:ln>
-          <a:effectLst/>
-        </p:spPr>
-        <p:style>
-          <a:lnRef idx="2">
-            <a:schemeClr val="accent1">
-              <a:shade val="50000"/>
-            </a:schemeClr>
-          </a:lnRef>
-          <a:fillRef idx="1001">
-            <a:schemeClr val="dk2"/>
-          </a:fillRef>
-          <a:effectRef idx="0">
-            <a:schemeClr val="accent1"/>
-          </a:effectRef>
-          <a:fontRef idx="minor">
-            <a:schemeClr val="lt1"/>
-          </a:fontRef>
-        </p:style>
-        <p:txBody>
-          <a:bodyPr rot="0" spcFirstLastPara="0" vertOverflow="overflow" horzOverflow="overflow" vert="horz" wrap="square" lIns="91440" tIns="45720" rIns="91440" bIns="45720" numCol="1" spcCol="0" rtlCol="0" fromWordArt="0" anchor="ctr" anchorCtr="0" forceAA="0" compatLnSpc="1">
-            <a:prstTxWarp prst="textNoShape">
-              <a:avLst/>
-            </a:prstTxWarp>
-            <a:noAutofit/>
-          </a:bodyPr>
-          <a:lstStyle/>
-          <a:p>
-            <a:pPr algn="ctr"/>
-            <a:r>
-              <a:rPr lang="en-US" sz="2800" b="1" dirty="0">
-                <a:solidFill>
-                  <a:srgbClr val="FFFFFF"/>
-                </a:solidFill>
-                <a:effectLst>
-                  <a:outerShdw blurRad="38100" dist="38100" dir="2700000" algn="tl">
-                    <a:srgbClr val="000000">
-                      <a:alpha val="43137"/>
-                    </a:srgbClr>
-                  </a:outerShdw>
-                </a:effectLst>
-              </a:rPr>
-              <a:t>0</a:t>
-            </a:r>
-          </a:p>
-        </p:txBody>
-      </p:sp>
-      <p:sp>
-        <p:nvSpPr>
-          <p:cNvPr id="14" name="Rectangle 13"/>
-          <p:cNvSpPr/>
-          <p:nvPr/>
-        </p:nvSpPr>
-        <p:spPr bwMode="auto">
-          <a:xfrm>
-            <a:off x="4188462" y="5950079"/>
-            <a:ext cx="900000" cy="675000"/>
-          </a:xfrm>
-          <a:prstGeom prst="rect">
-            <a:avLst/>
-          </a:prstGeom>
-          <a:solidFill>
-            <a:schemeClr val="dk2">
-              <a:alpha val="80000"/>
-            </a:schemeClr>
-          </a:solidFill>
-          <a:ln w="19050">
-            <a:solidFill>
-              <a:schemeClr val="tx1">
-                <a:lumMod val="75000"/>
-                <a:alpha val="80000"/>
-              </a:schemeClr>
-            </a:solidFill>
-          </a:ln>
-          <a:effectLst/>
-        </p:spPr>
-        <p:style>
-          <a:lnRef idx="2">
-            <a:schemeClr val="accent1">
-              <a:shade val="50000"/>
-            </a:schemeClr>
-          </a:lnRef>
-          <a:fillRef idx="1001">
-            <a:schemeClr val="dk2"/>
-          </a:fillRef>
-          <a:effectRef idx="0">
-            <a:schemeClr val="accent1"/>
-          </a:effectRef>
-          <a:fontRef idx="minor">
-            <a:schemeClr val="lt1"/>
-          </a:fontRef>
-        </p:style>
-        <p:txBody>
-          <a:bodyPr rot="0" spcFirstLastPara="0" vertOverflow="overflow" horzOverflow="overflow" vert="horz" wrap="square" lIns="91440" tIns="45720" rIns="91440" bIns="45720" numCol="1" spcCol="0" rtlCol="0" fromWordArt="0" anchor="ctr" anchorCtr="0" forceAA="0" compatLnSpc="1">
-            <a:prstTxWarp prst="textNoShape">
-              <a:avLst/>
-            </a:prstTxWarp>
-            <a:noAutofit/>
-          </a:bodyPr>
-          <a:lstStyle/>
-          <a:p>
-            <a:pPr algn="ctr"/>
-            <a:r>
-              <a:rPr lang="en-US" sz="2800" b="1" dirty="0">
-                <a:solidFill>
-                  <a:srgbClr val="FFFFFF"/>
-                </a:solidFill>
-                <a:effectLst>
-                  <a:outerShdw blurRad="38100" dist="38100" dir="2700000" algn="tl">
-                    <a:srgbClr val="000000">
-                      <a:alpha val="43137"/>
-                    </a:srgbClr>
-                  </a:outerShdw>
-                </a:effectLst>
-              </a:rPr>
-              <a:t>1</a:t>
-            </a:r>
-          </a:p>
-        </p:txBody>
-      </p:sp>
-      <p:sp>
-        <p:nvSpPr>
-          <p:cNvPr id="7" name="Equal 6"/>
-          <p:cNvSpPr/>
-          <p:nvPr/>
-        </p:nvSpPr>
-        <p:spPr bwMode="auto">
-          <a:xfrm>
-            <a:off x="5292681" y="5295512"/>
-            <a:ext cx="1313384" cy="1142647"/>
-          </a:xfrm>
-          <a:prstGeom prst="mathEqual">
-            <a:avLst/>
-          </a:prstGeom>
-          <a:solidFill>
-            <a:schemeClr val="dk2">
-              <a:alpha val="80000"/>
-            </a:schemeClr>
-          </a:solidFill>
-          <a:ln w="19050">
-            <a:solidFill>
-              <a:schemeClr val="tx1">
-                <a:lumMod val="75000"/>
-                <a:alpha val="80000"/>
-              </a:schemeClr>
-            </a:solidFill>
-          </a:ln>
-          <a:effectLst/>
-        </p:spPr>
-        <p:style>
-          <a:lnRef idx="2">
-            <a:schemeClr val="accent1">
-              <a:shade val="50000"/>
-            </a:schemeClr>
-          </a:lnRef>
-          <a:fillRef idx="1001">
-            <a:schemeClr val="dk2"/>
-          </a:fillRef>
-          <a:effectRef idx="0">
-            <a:schemeClr val="accent1"/>
-          </a:effectRef>
-          <a:fontRef idx="minor">
-            <a:schemeClr val="lt1"/>
-          </a:fontRef>
-        </p:style>
-        <p:txBody>
-          <a:bodyPr rot="0" spcFirstLastPara="0" vertOverflow="overflow" horzOverflow="overflow" vert="horz" wrap="square" lIns="91440" tIns="45720" rIns="91440" bIns="45720" numCol="1" spcCol="0" rtlCol="0" fromWordArt="0" anchor="ctr" anchorCtr="0" forceAA="0" compatLnSpc="1">
-            <a:prstTxWarp prst="textNoShape">
-              <a:avLst/>
-            </a:prstTxWarp>
-            <a:noAutofit/>
-          </a:bodyPr>
-          <a:lstStyle/>
-          <a:p>
-            <a:pPr algn="ctr"/>
-            <a:endParaRPr lang="en-US" sz="2800" b="1" dirty="0">
-              <a:solidFill>
-                <a:srgbClr val="FFFFFF"/>
-              </a:solidFill>
-              <a:effectLst>
-                <a:outerShdw blurRad="38100" dist="38100" dir="2700000" algn="tl">
-                  <a:srgbClr val="000000">
-                    <a:alpha val="43137"/>
-                  </a:srgbClr>
-                </a:outerShdw>
-              </a:effectLst>
-            </a:endParaRPr>
-          </a:p>
-        </p:txBody>
-      </p:sp>
       <p:grpSp>
         <p:nvGrpSpPr>
-          <p:cNvPr id="16" name="Group 15"/>
+          <p:cNvPr id="37" name="Group 36">
+            <a:extLst>
+              <a:ext uri="{FF2B5EF4-FFF2-40B4-BE49-F238E27FC236}">
+                <a16:creationId xmlns:a16="http://schemas.microsoft.com/office/drawing/2014/main" id="{D6CD23E5-D242-08B6-7249-974CF2F94253}"/>
+              </a:ext>
+            </a:extLst>
+          </p:cNvPr>
           <p:cNvGrpSpPr/>
           <p:nvPr/>
         </p:nvGrpSpPr>
         <p:grpSpPr>
           <a:xfrm>
-            <a:off x="6810285" y="5085476"/>
-            <a:ext cx="4315414" cy="1622847"/>
-            <a:chOff x="7437616" y="5102044"/>
-            <a:chExt cx="4315414" cy="1622847"/>
+            <a:off x="643754" y="5273356"/>
+            <a:ext cx="3803183" cy="675644"/>
+            <a:chOff x="643754" y="5273356"/>
+            <a:chExt cx="3803183" cy="675644"/>
           </a:xfrm>
         </p:grpSpPr>
         <p:sp>
           <p:nvSpPr>
-            <p:cNvPr id="15" name="Rectangle 14"/>
+            <p:cNvPr id="5" name="Rectangle 4"/>
             <p:cNvSpPr/>
             <p:nvPr/>
           </p:nvSpPr>
           <p:spPr bwMode="auto">
             <a:xfrm>
-              <a:off x="7437616" y="5102044"/>
-              <a:ext cx="4315414" cy="1622847"/>
-            </a:xfrm>
-            <a:prstGeom prst="rect">
-              <a:avLst/>
-            </a:prstGeom>
-            <a:solidFill>
-              <a:schemeClr val="dk2">
-                <a:alpha val="80000"/>
-              </a:schemeClr>
-            </a:solidFill>
-            <a:ln w="19050">
-              <a:solidFill>
-                <a:schemeClr val="tx1">
-                  <a:lumMod val="75000"/>
-                  <a:alpha val="80000"/>
-                </a:schemeClr>
-              </a:solidFill>
-            </a:ln>
-            <a:effectLst/>
-          </p:spPr>
-          <p:style>
-            <a:lnRef idx="2">
-              <a:schemeClr val="accent1">
-                <a:shade val="50000"/>
-              </a:schemeClr>
-            </a:lnRef>
-            <a:fillRef idx="1001">
-              <a:schemeClr val="dk2"/>
-            </a:fillRef>
-            <a:effectRef idx="0">
-              <a:schemeClr val="accent1"/>
-            </a:effectRef>
-            <a:fontRef idx="minor">
-              <a:schemeClr val="lt1"/>
-            </a:fontRef>
-          </p:style>
-          <p:txBody>
-            <a:bodyPr rot="0" spcFirstLastPara="0" vertOverflow="overflow" horzOverflow="overflow" vert="horz" wrap="square" lIns="91440" tIns="45720" rIns="91440" bIns="45720" numCol="1" spcCol="0" rtlCol="0" fromWordArt="0" anchor="ctr" anchorCtr="0" forceAA="0" compatLnSpc="1">
-              <a:prstTxWarp prst="textNoShape">
-                <a:avLst/>
-              </a:prstTxWarp>
-              <a:noAutofit/>
-            </a:bodyPr>
-            <a:lstStyle/>
-            <a:p>
-              <a:pPr algn="ctr"/>
-              <a:endParaRPr lang="en-US" sz="2800" b="1" dirty="0">
-                <a:solidFill>
-                  <a:srgbClr val="FFFFFF"/>
-                </a:solidFill>
-                <a:effectLst>
-                  <a:outerShdw blurRad="38100" dist="38100" dir="2700000" algn="tl">
-                    <a:srgbClr val="000000">
-                      <a:alpha val="43137"/>
-                    </a:srgbClr>
-                  </a:outerShdw>
-                </a:effectLst>
-              </a:endParaRPr>
-            </a:p>
-          </p:txBody>
-        </p:sp>
-        <p:sp>
-          <p:nvSpPr>
-            <p:cNvPr id="17" name="Rectangle 16"/>
-            <p:cNvSpPr/>
-            <p:nvPr/>
-          </p:nvSpPr>
-          <p:spPr bwMode="auto">
-            <a:xfrm>
-              <a:off x="7661036" y="5208404"/>
-              <a:ext cx="900000" cy="675000"/>
+              <a:off x="643754" y="5274000"/>
+              <a:ext cx="371823" cy="675000"/>
             </a:xfrm>
             <a:prstGeom prst="rect">
               <a:avLst/>
@@ -10088,14 +9503,14 @@
         </p:sp>
         <p:sp>
           <p:nvSpPr>
-            <p:cNvPr id="18" name="Rectangle 17"/>
+            <p:cNvPr id="8" name="Rectangle 7"/>
             <p:cNvSpPr/>
             <p:nvPr/>
           </p:nvSpPr>
           <p:spPr bwMode="auto">
             <a:xfrm>
-              <a:off x="8660190" y="5208404"/>
-              <a:ext cx="900000" cy="675000"/>
+              <a:off x="1130040" y="5274000"/>
+              <a:ext cx="371823" cy="675000"/>
             </a:xfrm>
             <a:prstGeom prst="rect">
               <a:avLst/>
@@ -10161,14 +9576,14 @@
         </p:sp>
         <p:sp>
           <p:nvSpPr>
-            <p:cNvPr id="19" name="Rectangle 18"/>
+            <p:cNvPr id="9" name="Rectangle 8"/>
             <p:cNvSpPr/>
             <p:nvPr/>
           </p:nvSpPr>
           <p:spPr bwMode="auto">
             <a:xfrm>
-              <a:off x="9659344" y="5208404"/>
-              <a:ext cx="900000" cy="675000"/>
+              <a:off x="1618799" y="5274000"/>
+              <a:ext cx="371823" cy="675000"/>
             </a:xfrm>
             <a:prstGeom prst="rect">
               <a:avLst/>
@@ -10234,14 +9649,14 @@
         </p:sp>
         <p:sp>
           <p:nvSpPr>
-            <p:cNvPr id="20" name="Rectangle 19"/>
+            <p:cNvPr id="10" name="Rectangle 9"/>
             <p:cNvSpPr/>
             <p:nvPr/>
           </p:nvSpPr>
           <p:spPr bwMode="auto">
             <a:xfrm>
-              <a:off x="10658498" y="5208404"/>
-              <a:ext cx="900000" cy="675000"/>
+              <a:off x="2101215" y="5273999"/>
+              <a:ext cx="371823" cy="675000"/>
             </a:xfrm>
             <a:prstGeom prst="rect">
               <a:avLst/>
@@ -10307,14 +9722,14 @@
         </p:sp>
         <p:sp>
           <p:nvSpPr>
-            <p:cNvPr id="21" name="Rectangle 20"/>
+            <p:cNvPr id="11" name="Rectangle 10"/>
             <p:cNvSpPr/>
             <p:nvPr/>
           </p:nvSpPr>
           <p:spPr bwMode="auto">
             <a:xfrm>
-              <a:off x="7661036" y="5966647"/>
-              <a:ext cx="900000" cy="675000"/>
+              <a:off x="2587501" y="5273356"/>
+              <a:ext cx="371823" cy="675000"/>
             </a:xfrm>
             <a:prstGeom prst="rect">
               <a:avLst/>
@@ -10380,14 +9795,14 @@
         </p:sp>
         <p:sp>
           <p:nvSpPr>
-            <p:cNvPr id="22" name="Rectangle 21"/>
+            <p:cNvPr id="12" name="Rectangle 11"/>
             <p:cNvSpPr/>
             <p:nvPr/>
           </p:nvSpPr>
           <p:spPr bwMode="auto">
             <a:xfrm>
-              <a:off x="8660190" y="5966647"/>
-              <a:ext cx="900000" cy="675000"/>
+              <a:off x="3069917" y="5273356"/>
+              <a:ext cx="371823" cy="675000"/>
             </a:xfrm>
             <a:prstGeom prst="rect">
               <a:avLst/>
@@ -10453,14 +9868,14 @@
         </p:sp>
         <p:sp>
           <p:nvSpPr>
-            <p:cNvPr id="23" name="Rectangle 22"/>
+            <p:cNvPr id="13" name="Rectangle 12"/>
             <p:cNvSpPr/>
             <p:nvPr/>
           </p:nvSpPr>
           <p:spPr bwMode="auto">
             <a:xfrm>
-              <a:off x="9659344" y="5966647"/>
-              <a:ext cx="900000" cy="675000"/>
+              <a:off x="3560816" y="5273356"/>
+              <a:ext cx="371823" cy="675000"/>
             </a:xfrm>
             <a:prstGeom prst="rect">
               <a:avLst/>
@@ -10526,14 +9941,14 @@
         </p:sp>
         <p:sp>
           <p:nvSpPr>
-            <p:cNvPr id="24" name="Rectangle 23"/>
+            <p:cNvPr id="14" name="Rectangle 13"/>
             <p:cNvSpPr/>
             <p:nvPr/>
           </p:nvSpPr>
           <p:spPr bwMode="auto">
             <a:xfrm>
-              <a:off x="10658498" y="5966647"/>
-              <a:ext cx="900000" cy="675000"/>
+              <a:off x="4044962" y="5273356"/>
+              <a:ext cx="401975" cy="675000"/>
             </a:xfrm>
             <a:prstGeom prst="rect">
               <a:avLst/>
@@ -10600,13 +10015,83 @@
       </p:grpSp>
       <p:sp>
         <p:nvSpPr>
+          <p:cNvPr id="7" name="Equal 6"/>
+          <p:cNvSpPr/>
+          <p:nvPr/>
+        </p:nvSpPr>
+        <p:spPr bwMode="auto">
+          <a:xfrm>
+            <a:off x="5384148" y="5273356"/>
+            <a:ext cx="775860" cy="675000"/>
+          </a:xfrm>
+          <a:prstGeom prst="mathEqual">
+            <a:avLst/>
+          </a:prstGeom>
+          <a:solidFill>
+            <a:schemeClr val="dk2">
+              <a:alpha val="80000"/>
+            </a:schemeClr>
+          </a:solidFill>
+          <a:ln w="19050">
+            <a:solidFill>
+              <a:schemeClr val="tx1">
+                <a:lumMod val="75000"/>
+                <a:alpha val="80000"/>
+              </a:schemeClr>
+            </a:solidFill>
+          </a:ln>
+          <a:effectLst/>
+        </p:spPr>
+        <p:style>
+          <a:lnRef idx="2">
+            <a:schemeClr val="accent1">
+              <a:shade val="50000"/>
+            </a:schemeClr>
+          </a:lnRef>
+          <a:fillRef idx="1001">
+            <a:schemeClr val="dk2"/>
+          </a:fillRef>
+          <a:effectRef idx="0">
+            <a:schemeClr val="accent1"/>
+          </a:effectRef>
+          <a:fontRef idx="minor">
+            <a:schemeClr val="lt1"/>
+          </a:fontRef>
+        </p:style>
+        <p:txBody>
+          <a:bodyPr rot="0" spcFirstLastPara="0" vertOverflow="overflow" horzOverflow="overflow" vert="horz" wrap="square" lIns="91440" tIns="45720" rIns="91440" bIns="45720" numCol="1" spcCol="0" rtlCol="0" fromWordArt="0" anchor="ctr" anchorCtr="0" forceAA="0" compatLnSpc="1">
+            <a:prstTxWarp prst="textNoShape">
+              <a:avLst/>
+            </a:prstTxWarp>
+            <a:noAutofit/>
+          </a:bodyPr>
+          <a:lstStyle/>
+          <a:p>
+            <a:pPr algn="ctr"/>
+            <a:endParaRPr lang="en-US" sz="2800" b="1" dirty="0">
+              <a:solidFill>
+                <a:srgbClr val="FFFFFF"/>
+              </a:solidFill>
+              <a:effectLst>
+                <a:outerShdw blurRad="38100" dist="38100" dir="2700000" algn="tl">
+                  <a:srgbClr val="000000">
+                    <a:alpha val="43137"/>
+                  </a:srgbClr>
+                </a:outerShdw>
+              </a:effectLst>
+            </a:endParaRPr>
+          </a:p>
+        </p:txBody>
+      </p:sp>
+      <p:sp>
+        <p:nvSpPr>
           <p:cNvPr id="26" name="TextBox 25"/>
           <p:cNvSpPr txBox="1"/>
           <p:nvPr/>
         </p:nvSpPr>
         <p:spPr>
           <a:xfrm>
-            <a:off x="8103838" y="4272500"/>
+            <a:off x="8103838" y="4300750"/>
             <a:ext cx="1728308" cy="759796"/>
           </a:xfrm>
           <a:prstGeom prst="rect">
@@ -10644,52 +10129,110 @@
       </p:sp>
       <p:sp>
         <p:nvSpPr>
-          <p:cNvPr id="25" name="Rectangle: Rounded Corners 24">
+          <p:cNvPr id="27" name="Slide Number Placeholder 26">
             <a:extLst>
               <a:ext uri="{FF2B5EF4-FFF2-40B4-BE49-F238E27FC236}">
-                <a16:creationId xmlns:a16="http://schemas.microsoft.com/office/drawing/2014/main" id="{B11C270C-9E47-661F-5BFC-32456CA211EB}"/>
+                <a16:creationId xmlns:a16="http://schemas.microsoft.com/office/drawing/2014/main" id="{0E32F93A-A6FA-A870-ABBD-21A428A64D4A}"/>
               </a:ext>
             </a:extLst>
           </p:cNvPr>
-          <p:cNvSpPr/>
+          <p:cNvSpPr>
+            <a:spLocks noGrp="1"/>
+          </p:cNvSpPr>
+          <p:nvPr>
+            <p:ph type="sldNum" sz="quarter" idx="5"/>
+          </p:nvPr>
+        </p:nvSpPr>
+        <p:spPr/>
+        <p:txBody>
+          <a:bodyPr/>
+          <a:lstStyle/>
+          <a:p>
+            <a:fld id="{2BF067CD-8E6B-4360-9AA8-C5DF2A48A6D1}" type="slidenum">
+              <a:rPr lang="en-US" noProof="0" smtClean="0"/>
+              <a:pPr/>
+              <a:t>13</a:t>
+            </a:fld>
+            <a:endParaRPr lang="en-US" noProof="0" dirty="0"/>
+          </a:p>
+        </p:txBody>
+      </p:sp>
+      <p:grpSp>
+        <p:nvGrpSpPr>
+          <p:cNvPr id="36" name="Group 35">
+            <a:extLst>
+              <a:ext uri="{FF2B5EF4-FFF2-40B4-BE49-F238E27FC236}">
+                <a16:creationId xmlns:a16="http://schemas.microsoft.com/office/drawing/2014/main" id="{134854F7-9F57-B47C-18D0-70D91E2594F0}"/>
+              </a:ext>
+            </a:extLst>
+          </p:cNvPr>
+          <p:cNvGrpSpPr/>
           <p:nvPr/>
-        </p:nvSpPr>
-        <p:spPr bwMode="auto">
+        </p:nvGrpSpPr>
+        <p:grpSpPr>
           <a:xfrm>
-            <a:off x="7391545" y="284154"/>
-            <a:ext cx="4315414" cy="1935000"/>
+            <a:off x="6974385" y="5050474"/>
+            <a:ext cx="4315414" cy="1142648"/>
+            <a:chOff x="6810285" y="5085477"/>
+            <a:chExt cx="4315414" cy="1142648"/>
           </a:xfrm>
-          <a:prstGeom prst="roundRect">
-            <a:avLst/>
-          </a:prstGeom>
-          <a:ln/>
-        </p:spPr>
-        <p:style>
-          <a:lnRef idx="2">
-            <a:schemeClr val="accent6"/>
-          </a:lnRef>
-          <a:fillRef idx="1">
-            <a:schemeClr val="lt1"/>
-          </a:fillRef>
-          <a:effectRef idx="0">
-            <a:schemeClr val="accent6"/>
-          </a:effectRef>
-          <a:fontRef idx="minor">
-            <a:schemeClr val="dk1"/>
-          </a:fontRef>
-        </p:style>
-        <p:txBody>
-          <a:bodyPr rot="0" spcFirstLastPara="0" vertOverflow="overflow" horzOverflow="overflow" vert="horz" wrap="square" lIns="91440" tIns="45720" rIns="91440" bIns="45720" numCol="1" spcCol="0" rtlCol="0" fromWordArt="0" anchor="ctr" anchorCtr="0" forceAA="0" compatLnSpc="1">
-            <a:prstTxWarp prst="textNoShape">
+        </p:grpSpPr>
+        <p:sp>
+          <p:nvSpPr>
+            <p:cNvPr id="15" name="Rectangle 14"/>
+            <p:cNvSpPr/>
+            <p:nvPr/>
+          </p:nvSpPr>
+          <p:spPr bwMode="auto">
+            <a:xfrm>
+              <a:off x="6810285" y="5085477"/>
+              <a:ext cx="4315414" cy="1142648"/>
+            </a:xfrm>
+            <a:prstGeom prst="rect">
               <a:avLst/>
-            </a:prstTxWarp>
-            <a:noAutofit/>
-          </a:bodyPr>
-          <a:lstStyle/>
-          <a:p>
-            <a:pPr algn="ctr"/>
-            <a:r>
-              <a:rPr lang="en-US" sz="2800" b="1" dirty="0">
+            </a:prstGeom>
+            <a:solidFill>
+              <a:schemeClr val="dk2">
+                <a:alpha val="80000"/>
+              </a:schemeClr>
+            </a:solidFill>
+            <a:ln w="19050">
+              <a:solidFill>
+                <a:schemeClr val="tx1">
+                  <a:lumMod val="75000"/>
+                  <a:alpha val="80000"/>
+                </a:schemeClr>
+              </a:solidFill>
+            </a:ln>
+            <a:effectLst/>
+          </p:spPr>
+          <p:style>
+            <a:lnRef idx="2">
+              <a:schemeClr val="accent1">
+                <a:shade val="50000"/>
+              </a:schemeClr>
+            </a:lnRef>
+            <a:fillRef idx="1001">
+              <a:schemeClr val="dk2"/>
+            </a:fillRef>
+            <a:effectRef idx="0">
+              <a:schemeClr val="accent1"/>
+            </a:effectRef>
+            <a:fontRef idx="minor">
+              <a:schemeClr val="lt1"/>
+            </a:fontRef>
+          </p:style>
+          <p:txBody>
+            <a:bodyPr rot="0" spcFirstLastPara="0" vertOverflow="overflow" horzOverflow="overflow" vert="horz" wrap="square" lIns="91440" tIns="45720" rIns="91440" bIns="45720" numCol="1" spcCol="0" rtlCol="0" fromWordArt="0" anchor="ctr" anchorCtr="0" forceAA="0" compatLnSpc="1">
+              <a:prstTxWarp prst="textNoShape">
+                <a:avLst/>
+              </a:prstTxWarp>
+              <a:noAutofit/>
+            </a:bodyPr>
+            <a:lstStyle/>
+            <a:p>
+              <a:pPr algn="ctr"/>
+              <a:endParaRPr lang="en-US" sz="2800" b="1" dirty="0">
                 <a:solidFill>
                   <a:srgbClr val="FFFFFF"/>
                 </a:solidFill>
@@ -10700,69 +10243,643 @@
                     </a:srgbClr>
                   </a:outerShdw>
                 </a:effectLst>
-              </a:rPr>
-              <a:t>TODO: </a:t>
-            </a:r>
-            <a:r>
-              <a:rPr lang="bg-BG" sz="2800" b="1" dirty="0">
-                <a:solidFill>
-                  <a:srgbClr val="FFFFFF"/>
-                </a:solidFill>
-                <a:effectLst>
-                  <a:outerShdw blurRad="38100" dist="38100" dir="2700000" algn="tl">
-                    <a:srgbClr val="000000">
-                      <a:alpha val="43137"/>
-                    </a:srgbClr>
-                  </a:outerShdw>
-                </a:effectLst>
-              </a:rPr>
-              <a:t>8 бита едни след друг хоризонтално, че така изглежда като таблица с 2 </a:t>
-            </a:r>
-            <a:r>
-              <a:rPr lang="en-US" sz="2800" b="1" dirty="0">
-                <a:solidFill>
-                  <a:srgbClr val="FFFFFF"/>
-                </a:solidFill>
-                <a:effectLst>
-                  <a:outerShdw blurRad="38100" dist="38100" dir="2700000" algn="tl">
-                    <a:srgbClr val="000000">
-                      <a:alpha val="43137"/>
-                    </a:srgbClr>
-                  </a:outerShdw>
-                </a:effectLst>
-              </a:rPr>
-              <a:t>x 4</a:t>
-            </a:r>
-            <a:r>
-              <a:rPr lang="bg-BG" sz="2800" b="1" dirty="0">
-                <a:solidFill>
-                  <a:srgbClr val="FFFFFF"/>
-                </a:solidFill>
-                <a:effectLst>
-                  <a:outerShdw blurRad="38100" dist="38100" dir="2700000" algn="tl">
-                    <a:srgbClr val="000000">
-                      <a:alpha val="43137"/>
-                    </a:srgbClr>
-                  </a:outerShdw>
-                </a:effectLst>
-              </a:rPr>
-              <a:t> бита</a:t>
-            </a:r>
-            <a:endParaRPr lang="en-US" sz="2800" b="1" dirty="0">
+              </a:endParaRPr>
+            </a:p>
+          </p:txBody>
+        </p:sp>
+        <p:sp>
+          <p:nvSpPr>
+            <p:cNvPr id="28" name="Rectangle 27">
+              <a:extLst>
+                <a:ext uri="{FF2B5EF4-FFF2-40B4-BE49-F238E27FC236}">
+                  <a16:creationId xmlns:a16="http://schemas.microsoft.com/office/drawing/2014/main" id="{C186DA60-4D62-A119-695F-0F151FB332DF}"/>
+                </a:ext>
+              </a:extLst>
+            </p:cNvPr>
+            <p:cNvSpPr/>
+            <p:nvPr/>
+          </p:nvSpPr>
+          <p:spPr bwMode="auto">
+            <a:xfrm>
+              <a:off x="7112872" y="5324375"/>
+              <a:ext cx="371823" cy="675000"/>
+            </a:xfrm>
+            <a:prstGeom prst="rect">
+              <a:avLst/>
+            </a:prstGeom>
+            <a:solidFill>
+              <a:schemeClr val="dk2">
+                <a:alpha val="80000"/>
+              </a:schemeClr>
+            </a:solidFill>
+            <a:ln w="19050">
               <a:solidFill>
-                <a:srgbClr val="FFFFFF"/>
+                <a:schemeClr val="tx1">
+                  <a:lumMod val="75000"/>
+                  <a:alpha val="80000"/>
+                </a:schemeClr>
               </a:solidFill>
-              <a:effectLst>
-                <a:outerShdw blurRad="38100" dist="38100" dir="2700000" algn="tl">
-                  <a:srgbClr val="000000">
-                    <a:alpha val="43137"/>
-                  </a:srgbClr>
-                </a:outerShdw>
-              </a:effectLst>
-            </a:endParaRPr>
-          </a:p>
-        </p:txBody>
-      </p:sp>
+            </a:ln>
+            <a:effectLst/>
+          </p:spPr>
+          <p:style>
+            <a:lnRef idx="2">
+              <a:schemeClr val="accent1">
+                <a:shade val="50000"/>
+              </a:schemeClr>
+            </a:lnRef>
+            <a:fillRef idx="1001">
+              <a:schemeClr val="dk2"/>
+            </a:fillRef>
+            <a:effectRef idx="0">
+              <a:schemeClr val="accent1"/>
+            </a:effectRef>
+            <a:fontRef idx="minor">
+              <a:schemeClr val="lt1"/>
+            </a:fontRef>
+          </p:style>
+          <p:txBody>
+            <a:bodyPr rot="0" spcFirstLastPara="0" vertOverflow="overflow" horzOverflow="overflow" vert="horz" wrap="square" lIns="91440" tIns="45720" rIns="91440" bIns="45720" numCol="1" spcCol="0" rtlCol="0" fromWordArt="0" anchor="ctr" anchorCtr="0" forceAA="0" compatLnSpc="1">
+              <a:prstTxWarp prst="textNoShape">
+                <a:avLst/>
+              </a:prstTxWarp>
+              <a:noAutofit/>
+            </a:bodyPr>
+            <a:lstStyle/>
+            <a:p>
+              <a:pPr algn="ctr"/>
+              <a:r>
+                <a:rPr lang="en-US" sz="2800" b="1" dirty="0">
+                  <a:solidFill>
+                    <a:srgbClr val="FFFFFF"/>
+                  </a:solidFill>
+                  <a:effectLst>
+                    <a:outerShdw blurRad="38100" dist="38100" dir="2700000" algn="tl">
+                      <a:srgbClr val="000000">
+                        <a:alpha val="43137"/>
+                      </a:srgbClr>
+                    </a:outerShdw>
+                  </a:effectLst>
+                </a:rPr>
+                <a:t>0</a:t>
+              </a:r>
+            </a:p>
+          </p:txBody>
+        </p:sp>
+        <p:sp>
+          <p:nvSpPr>
+            <p:cNvPr id="29" name="Rectangle 28">
+              <a:extLst>
+                <a:ext uri="{FF2B5EF4-FFF2-40B4-BE49-F238E27FC236}">
+                  <a16:creationId xmlns:a16="http://schemas.microsoft.com/office/drawing/2014/main" id="{A99388ED-82AA-F7E3-4AB9-C0463FE5A401}"/>
+                </a:ext>
+              </a:extLst>
+            </p:cNvPr>
+            <p:cNvSpPr/>
+            <p:nvPr/>
+          </p:nvSpPr>
+          <p:spPr bwMode="auto">
+            <a:xfrm>
+              <a:off x="7599158" y="5324375"/>
+              <a:ext cx="371823" cy="675000"/>
+            </a:xfrm>
+            <a:prstGeom prst="rect">
+              <a:avLst/>
+            </a:prstGeom>
+            <a:solidFill>
+              <a:schemeClr val="dk2">
+                <a:alpha val="80000"/>
+              </a:schemeClr>
+            </a:solidFill>
+            <a:ln w="19050">
+              <a:solidFill>
+                <a:schemeClr val="tx1">
+                  <a:lumMod val="75000"/>
+                  <a:alpha val="80000"/>
+                </a:schemeClr>
+              </a:solidFill>
+            </a:ln>
+            <a:effectLst/>
+          </p:spPr>
+          <p:style>
+            <a:lnRef idx="2">
+              <a:schemeClr val="accent1">
+                <a:shade val="50000"/>
+              </a:schemeClr>
+            </a:lnRef>
+            <a:fillRef idx="1001">
+              <a:schemeClr val="dk2"/>
+            </a:fillRef>
+            <a:effectRef idx="0">
+              <a:schemeClr val="accent1"/>
+            </a:effectRef>
+            <a:fontRef idx="minor">
+              <a:schemeClr val="lt1"/>
+            </a:fontRef>
+          </p:style>
+          <p:txBody>
+            <a:bodyPr rot="0" spcFirstLastPara="0" vertOverflow="overflow" horzOverflow="overflow" vert="horz" wrap="square" lIns="91440" tIns="45720" rIns="91440" bIns="45720" numCol="1" spcCol="0" rtlCol="0" fromWordArt="0" anchor="ctr" anchorCtr="0" forceAA="0" compatLnSpc="1">
+              <a:prstTxWarp prst="textNoShape">
+                <a:avLst/>
+              </a:prstTxWarp>
+              <a:noAutofit/>
+            </a:bodyPr>
+            <a:lstStyle/>
+            <a:p>
+              <a:pPr algn="ctr"/>
+              <a:r>
+                <a:rPr lang="en-US" sz="2800" b="1" dirty="0">
+                  <a:solidFill>
+                    <a:srgbClr val="FFFFFF"/>
+                  </a:solidFill>
+                  <a:effectLst>
+                    <a:outerShdw blurRad="38100" dist="38100" dir="2700000" algn="tl">
+                      <a:srgbClr val="000000">
+                        <a:alpha val="43137"/>
+                      </a:srgbClr>
+                    </a:outerShdw>
+                  </a:effectLst>
+                </a:rPr>
+                <a:t>1</a:t>
+              </a:r>
+            </a:p>
+          </p:txBody>
+        </p:sp>
+        <p:sp>
+          <p:nvSpPr>
+            <p:cNvPr id="30" name="Rectangle 29">
+              <a:extLst>
+                <a:ext uri="{FF2B5EF4-FFF2-40B4-BE49-F238E27FC236}">
+                  <a16:creationId xmlns:a16="http://schemas.microsoft.com/office/drawing/2014/main" id="{11C4AF6A-3537-6956-9BBC-E381D2566E43}"/>
+                </a:ext>
+              </a:extLst>
+            </p:cNvPr>
+            <p:cNvSpPr/>
+            <p:nvPr/>
+          </p:nvSpPr>
+          <p:spPr bwMode="auto">
+            <a:xfrm>
+              <a:off x="8087917" y="5324375"/>
+              <a:ext cx="371823" cy="675000"/>
+            </a:xfrm>
+            <a:prstGeom prst="rect">
+              <a:avLst/>
+            </a:prstGeom>
+            <a:solidFill>
+              <a:schemeClr val="dk2">
+                <a:alpha val="80000"/>
+              </a:schemeClr>
+            </a:solidFill>
+            <a:ln w="19050">
+              <a:solidFill>
+                <a:schemeClr val="tx1">
+                  <a:lumMod val="75000"/>
+                  <a:alpha val="80000"/>
+                </a:schemeClr>
+              </a:solidFill>
+            </a:ln>
+            <a:effectLst/>
+          </p:spPr>
+          <p:style>
+            <a:lnRef idx="2">
+              <a:schemeClr val="accent1">
+                <a:shade val="50000"/>
+              </a:schemeClr>
+            </a:lnRef>
+            <a:fillRef idx="1001">
+              <a:schemeClr val="dk2"/>
+            </a:fillRef>
+            <a:effectRef idx="0">
+              <a:schemeClr val="accent1"/>
+            </a:effectRef>
+            <a:fontRef idx="minor">
+              <a:schemeClr val="lt1"/>
+            </a:fontRef>
+          </p:style>
+          <p:txBody>
+            <a:bodyPr rot="0" spcFirstLastPara="0" vertOverflow="overflow" horzOverflow="overflow" vert="horz" wrap="square" lIns="91440" tIns="45720" rIns="91440" bIns="45720" numCol="1" spcCol="0" rtlCol="0" fromWordArt="0" anchor="ctr" anchorCtr="0" forceAA="0" compatLnSpc="1">
+              <a:prstTxWarp prst="textNoShape">
+                <a:avLst/>
+              </a:prstTxWarp>
+              <a:noAutofit/>
+            </a:bodyPr>
+            <a:lstStyle/>
+            <a:p>
+              <a:pPr algn="ctr"/>
+              <a:r>
+                <a:rPr lang="en-US" sz="2800" b="1" dirty="0">
+                  <a:solidFill>
+                    <a:srgbClr val="FFFFFF"/>
+                  </a:solidFill>
+                  <a:effectLst>
+                    <a:outerShdw blurRad="38100" dist="38100" dir="2700000" algn="tl">
+                      <a:srgbClr val="000000">
+                        <a:alpha val="43137"/>
+                      </a:srgbClr>
+                    </a:outerShdw>
+                  </a:effectLst>
+                </a:rPr>
+                <a:t>0</a:t>
+              </a:r>
+            </a:p>
+          </p:txBody>
+        </p:sp>
+        <p:sp>
+          <p:nvSpPr>
+            <p:cNvPr id="31" name="Rectangle 30">
+              <a:extLst>
+                <a:ext uri="{FF2B5EF4-FFF2-40B4-BE49-F238E27FC236}">
+                  <a16:creationId xmlns:a16="http://schemas.microsoft.com/office/drawing/2014/main" id="{9F9B4F81-0AD4-FA49-A0B6-05F7CC8C2965}"/>
+                </a:ext>
+              </a:extLst>
+            </p:cNvPr>
+            <p:cNvSpPr/>
+            <p:nvPr/>
+          </p:nvSpPr>
+          <p:spPr bwMode="auto">
+            <a:xfrm>
+              <a:off x="8570333" y="5324374"/>
+              <a:ext cx="371823" cy="675000"/>
+            </a:xfrm>
+            <a:prstGeom prst="rect">
+              <a:avLst/>
+            </a:prstGeom>
+            <a:solidFill>
+              <a:schemeClr val="dk2">
+                <a:alpha val="80000"/>
+              </a:schemeClr>
+            </a:solidFill>
+            <a:ln w="19050">
+              <a:solidFill>
+                <a:schemeClr val="tx1">
+                  <a:lumMod val="75000"/>
+                  <a:alpha val="80000"/>
+                </a:schemeClr>
+              </a:solidFill>
+            </a:ln>
+            <a:effectLst/>
+          </p:spPr>
+          <p:style>
+            <a:lnRef idx="2">
+              <a:schemeClr val="accent1">
+                <a:shade val="50000"/>
+              </a:schemeClr>
+            </a:lnRef>
+            <a:fillRef idx="1001">
+              <a:schemeClr val="dk2"/>
+            </a:fillRef>
+            <a:effectRef idx="0">
+              <a:schemeClr val="accent1"/>
+            </a:effectRef>
+            <a:fontRef idx="minor">
+              <a:schemeClr val="lt1"/>
+            </a:fontRef>
+          </p:style>
+          <p:txBody>
+            <a:bodyPr rot="0" spcFirstLastPara="0" vertOverflow="overflow" horzOverflow="overflow" vert="horz" wrap="square" lIns="91440" tIns="45720" rIns="91440" bIns="45720" numCol="1" spcCol="0" rtlCol="0" fromWordArt="0" anchor="ctr" anchorCtr="0" forceAA="0" compatLnSpc="1">
+              <a:prstTxWarp prst="textNoShape">
+                <a:avLst/>
+              </a:prstTxWarp>
+              <a:noAutofit/>
+            </a:bodyPr>
+            <a:lstStyle/>
+            <a:p>
+              <a:pPr algn="ctr"/>
+              <a:r>
+                <a:rPr lang="en-US" sz="2800" b="1" dirty="0">
+                  <a:solidFill>
+                    <a:srgbClr val="FFFFFF"/>
+                  </a:solidFill>
+                  <a:effectLst>
+                    <a:outerShdw blurRad="38100" dist="38100" dir="2700000" algn="tl">
+                      <a:srgbClr val="000000">
+                        <a:alpha val="43137"/>
+                      </a:srgbClr>
+                    </a:outerShdw>
+                  </a:effectLst>
+                </a:rPr>
+                <a:t>0</a:t>
+              </a:r>
+            </a:p>
+          </p:txBody>
+        </p:sp>
+        <p:sp>
+          <p:nvSpPr>
+            <p:cNvPr id="32" name="Rectangle 31">
+              <a:extLst>
+                <a:ext uri="{FF2B5EF4-FFF2-40B4-BE49-F238E27FC236}">
+                  <a16:creationId xmlns:a16="http://schemas.microsoft.com/office/drawing/2014/main" id="{38341998-4129-F1AE-F1D5-CBAB4DB345CA}"/>
+                </a:ext>
+              </a:extLst>
+            </p:cNvPr>
+            <p:cNvSpPr/>
+            <p:nvPr/>
+          </p:nvSpPr>
+          <p:spPr bwMode="auto">
+            <a:xfrm>
+              <a:off x="9056619" y="5323731"/>
+              <a:ext cx="371823" cy="675000"/>
+            </a:xfrm>
+            <a:prstGeom prst="rect">
+              <a:avLst/>
+            </a:prstGeom>
+            <a:solidFill>
+              <a:schemeClr val="dk2">
+                <a:alpha val="80000"/>
+              </a:schemeClr>
+            </a:solidFill>
+            <a:ln w="19050">
+              <a:solidFill>
+                <a:schemeClr val="tx1">
+                  <a:lumMod val="75000"/>
+                  <a:alpha val="80000"/>
+                </a:schemeClr>
+              </a:solidFill>
+            </a:ln>
+            <a:effectLst/>
+          </p:spPr>
+          <p:style>
+            <a:lnRef idx="2">
+              <a:schemeClr val="accent1">
+                <a:shade val="50000"/>
+              </a:schemeClr>
+            </a:lnRef>
+            <a:fillRef idx="1001">
+              <a:schemeClr val="dk2"/>
+            </a:fillRef>
+            <a:effectRef idx="0">
+              <a:schemeClr val="accent1"/>
+            </a:effectRef>
+            <a:fontRef idx="minor">
+              <a:schemeClr val="lt1"/>
+            </a:fontRef>
+          </p:style>
+          <p:txBody>
+            <a:bodyPr rot="0" spcFirstLastPara="0" vertOverflow="overflow" horzOverflow="overflow" vert="horz" wrap="square" lIns="91440" tIns="45720" rIns="91440" bIns="45720" numCol="1" spcCol="0" rtlCol="0" fromWordArt="0" anchor="ctr" anchorCtr="0" forceAA="0" compatLnSpc="1">
+              <a:prstTxWarp prst="textNoShape">
+                <a:avLst/>
+              </a:prstTxWarp>
+              <a:noAutofit/>
+            </a:bodyPr>
+            <a:lstStyle/>
+            <a:p>
+              <a:pPr algn="ctr"/>
+              <a:r>
+                <a:rPr lang="en-US" sz="2800" b="1" dirty="0">
+                  <a:solidFill>
+                    <a:srgbClr val="FFFFFF"/>
+                  </a:solidFill>
+                  <a:effectLst>
+                    <a:outerShdw blurRad="38100" dist="38100" dir="2700000" algn="tl">
+                      <a:srgbClr val="000000">
+                        <a:alpha val="43137"/>
+                      </a:srgbClr>
+                    </a:outerShdw>
+                  </a:effectLst>
+                </a:rPr>
+                <a:t>0</a:t>
+              </a:r>
+            </a:p>
+          </p:txBody>
+        </p:sp>
+        <p:sp>
+          <p:nvSpPr>
+            <p:cNvPr id="33" name="Rectangle 32">
+              <a:extLst>
+                <a:ext uri="{FF2B5EF4-FFF2-40B4-BE49-F238E27FC236}">
+                  <a16:creationId xmlns:a16="http://schemas.microsoft.com/office/drawing/2014/main" id="{0993AE69-7E85-5D31-055F-2924428ED6DB}"/>
+                </a:ext>
+              </a:extLst>
+            </p:cNvPr>
+            <p:cNvSpPr/>
+            <p:nvPr/>
+          </p:nvSpPr>
+          <p:spPr bwMode="auto">
+            <a:xfrm>
+              <a:off x="9539035" y="5323731"/>
+              <a:ext cx="371823" cy="675000"/>
+            </a:xfrm>
+            <a:prstGeom prst="rect">
+              <a:avLst/>
+            </a:prstGeom>
+            <a:solidFill>
+              <a:schemeClr val="dk2">
+                <a:alpha val="80000"/>
+              </a:schemeClr>
+            </a:solidFill>
+            <a:ln w="19050">
+              <a:solidFill>
+                <a:schemeClr val="tx1">
+                  <a:lumMod val="75000"/>
+                  <a:alpha val="80000"/>
+                </a:schemeClr>
+              </a:solidFill>
+            </a:ln>
+            <a:effectLst/>
+          </p:spPr>
+          <p:style>
+            <a:lnRef idx="2">
+              <a:schemeClr val="accent1">
+                <a:shade val="50000"/>
+              </a:schemeClr>
+            </a:lnRef>
+            <a:fillRef idx="1001">
+              <a:schemeClr val="dk2"/>
+            </a:fillRef>
+            <a:effectRef idx="0">
+              <a:schemeClr val="accent1"/>
+            </a:effectRef>
+            <a:fontRef idx="minor">
+              <a:schemeClr val="lt1"/>
+            </a:fontRef>
+          </p:style>
+          <p:txBody>
+            <a:bodyPr rot="0" spcFirstLastPara="0" vertOverflow="overflow" horzOverflow="overflow" vert="horz" wrap="square" lIns="91440" tIns="45720" rIns="91440" bIns="45720" numCol="1" spcCol="0" rtlCol="0" fromWordArt="0" anchor="ctr" anchorCtr="0" forceAA="0" compatLnSpc="1">
+              <a:prstTxWarp prst="textNoShape">
+                <a:avLst/>
+              </a:prstTxWarp>
+              <a:noAutofit/>
+            </a:bodyPr>
+            <a:lstStyle/>
+            <a:p>
+              <a:pPr algn="ctr"/>
+              <a:r>
+                <a:rPr lang="en-US" sz="2800" b="1" dirty="0">
+                  <a:solidFill>
+                    <a:srgbClr val="FFFFFF"/>
+                  </a:solidFill>
+                  <a:effectLst>
+                    <a:outerShdw blurRad="38100" dist="38100" dir="2700000" algn="tl">
+                      <a:srgbClr val="000000">
+                        <a:alpha val="43137"/>
+                      </a:srgbClr>
+                    </a:outerShdw>
+                  </a:effectLst>
+                </a:rPr>
+                <a:t>0</a:t>
+              </a:r>
+            </a:p>
+          </p:txBody>
+        </p:sp>
+        <p:sp>
+          <p:nvSpPr>
+            <p:cNvPr id="34" name="Rectangle 33">
+              <a:extLst>
+                <a:ext uri="{FF2B5EF4-FFF2-40B4-BE49-F238E27FC236}">
+                  <a16:creationId xmlns:a16="http://schemas.microsoft.com/office/drawing/2014/main" id="{BAD743A6-3A14-A5ED-088C-031431CAD298}"/>
+                </a:ext>
+              </a:extLst>
+            </p:cNvPr>
+            <p:cNvSpPr/>
+            <p:nvPr/>
+          </p:nvSpPr>
+          <p:spPr bwMode="auto">
+            <a:xfrm>
+              <a:off x="10029934" y="5323731"/>
+              <a:ext cx="371823" cy="675000"/>
+            </a:xfrm>
+            <a:prstGeom prst="rect">
+              <a:avLst/>
+            </a:prstGeom>
+            <a:solidFill>
+              <a:schemeClr val="dk2">
+                <a:alpha val="80000"/>
+              </a:schemeClr>
+            </a:solidFill>
+            <a:ln w="19050">
+              <a:solidFill>
+                <a:schemeClr val="tx1">
+                  <a:lumMod val="75000"/>
+                  <a:alpha val="80000"/>
+                </a:schemeClr>
+              </a:solidFill>
+            </a:ln>
+            <a:effectLst/>
+          </p:spPr>
+          <p:style>
+            <a:lnRef idx="2">
+              <a:schemeClr val="accent1">
+                <a:shade val="50000"/>
+              </a:schemeClr>
+            </a:lnRef>
+            <a:fillRef idx="1001">
+              <a:schemeClr val="dk2"/>
+            </a:fillRef>
+            <a:effectRef idx="0">
+              <a:schemeClr val="accent1"/>
+            </a:effectRef>
+            <a:fontRef idx="minor">
+              <a:schemeClr val="lt1"/>
+            </a:fontRef>
+          </p:style>
+          <p:txBody>
+            <a:bodyPr rot="0" spcFirstLastPara="0" vertOverflow="overflow" horzOverflow="overflow" vert="horz" wrap="square" lIns="91440" tIns="45720" rIns="91440" bIns="45720" numCol="1" spcCol="0" rtlCol="0" fromWordArt="0" anchor="ctr" anchorCtr="0" forceAA="0" compatLnSpc="1">
+              <a:prstTxWarp prst="textNoShape">
+                <a:avLst/>
+              </a:prstTxWarp>
+              <a:noAutofit/>
+            </a:bodyPr>
+            <a:lstStyle/>
+            <a:p>
+              <a:pPr algn="ctr"/>
+              <a:r>
+                <a:rPr lang="en-US" sz="2800" b="1" dirty="0">
+                  <a:solidFill>
+                    <a:srgbClr val="FFFFFF"/>
+                  </a:solidFill>
+                  <a:effectLst>
+                    <a:outerShdw blurRad="38100" dist="38100" dir="2700000" algn="tl">
+                      <a:srgbClr val="000000">
+                        <a:alpha val="43137"/>
+                      </a:srgbClr>
+                    </a:outerShdw>
+                  </a:effectLst>
+                </a:rPr>
+                <a:t>0</a:t>
+              </a:r>
+            </a:p>
+          </p:txBody>
+        </p:sp>
+        <p:sp>
+          <p:nvSpPr>
+            <p:cNvPr id="35" name="Rectangle 34">
+              <a:extLst>
+                <a:ext uri="{FF2B5EF4-FFF2-40B4-BE49-F238E27FC236}">
+                  <a16:creationId xmlns:a16="http://schemas.microsoft.com/office/drawing/2014/main" id="{A8D829F8-9BD4-366A-8288-CCAA49291AB8}"/>
+                </a:ext>
+              </a:extLst>
+            </p:cNvPr>
+            <p:cNvSpPr/>
+            <p:nvPr/>
+          </p:nvSpPr>
+          <p:spPr bwMode="auto">
+            <a:xfrm>
+              <a:off x="10514080" y="5323731"/>
+              <a:ext cx="401975" cy="675000"/>
+            </a:xfrm>
+            <a:prstGeom prst="rect">
+              <a:avLst/>
+            </a:prstGeom>
+            <a:solidFill>
+              <a:schemeClr val="dk2">
+                <a:alpha val="80000"/>
+              </a:schemeClr>
+            </a:solidFill>
+            <a:ln w="19050">
+              <a:solidFill>
+                <a:schemeClr val="tx1">
+                  <a:lumMod val="75000"/>
+                  <a:alpha val="80000"/>
+                </a:schemeClr>
+              </a:solidFill>
+            </a:ln>
+            <a:effectLst/>
+          </p:spPr>
+          <p:style>
+            <a:lnRef idx="2">
+              <a:schemeClr val="accent1">
+                <a:shade val="50000"/>
+              </a:schemeClr>
+            </a:lnRef>
+            <a:fillRef idx="1001">
+              <a:schemeClr val="dk2"/>
+            </a:fillRef>
+            <a:effectRef idx="0">
+              <a:schemeClr val="accent1"/>
+            </a:effectRef>
+            <a:fontRef idx="minor">
+              <a:schemeClr val="lt1"/>
+            </a:fontRef>
+          </p:style>
+          <p:txBody>
+            <a:bodyPr rot="0" spcFirstLastPara="0" vertOverflow="overflow" horzOverflow="overflow" vert="horz" wrap="square" lIns="91440" tIns="45720" rIns="91440" bIns="45720" numCol="1" spcCol="0" rtlCol="0" fromWordArt="0" anchor="ctr" anchorCtr="0" forceAA="0" compatLnSpc="1">
+              <a:prstTxWarp prst="textNoShape">
+                <a:avLst/>
+              </a:prstTxWarp>
+              <a:noAutofit/>
+            </a:bodyPr>
+            <a:lstStyle/>
+            <a:p>
+              <a:pPr algn="ctr"/>
+              <a:r>
+                <a:rPr lang="en-US" sz="2800" b="1" dirty="0">
+                  <a:solidFill>
+                    <a:srgbClr val="FFFFFF"/>
+                  </a:solidFill>
+                  <a:effectLst>
+                    <a:outerShdw blurRad="38100" dist="38100" dir="2700000" algn="tl">
+                      <a:srgbClr val="000000">
+                        <a:alpha val="43137"/>
+                      </a:srgbClr>
+                    </a:outerShdw>
+                  </a:effectLst>
+                </a:rPr>
+                <a:t>1</a:t>
+              </a:r>
+            </a:p>
+          </p:txBody>
+        </p:sp>
+      </p:grpSp>
     </p:spTree>
     <p:extLst>
       <p:ext uri="{BB962C8B-B14F-4D97-AF65-F5344CB8AC3E}">
@@ -10881,249 +10998,15 @@
                                   </p:childTnLst>
                                 </p:cTn>
                               </p:par>
-                            </p:childTnLst>
-                          </p:cTn>
-                        </p:par>
-                      </p:childTnLst>
-                    </p:cTn>
-                  </p:par>
-                  <p:par>
-                    <p:cTn id="11" fill="hold">
-                      <p:stCondLst>
-                        <p:cond delay="indefinite"/>
-                      </p:stCondLst>
-                      <p:childTnLst>
-                        <p:par>
-                          <p:cTn id="12" fill="hold">
-                            <p:stCondLst>
-                              <p:cond delay="0"/>
-                            </p:stCondLst>
-                            <p:childTnLst>
                               <p:par>
-                                <p:cTn id="13" presetID="1" presetClass="entr" presetSubtype="0" fill="hold" grpId="0" nodeType="clickEffect">
+                                <p:cTn id="11" presetID="1" presetClass="entr" presetSubtype="0" fill="hold" grpId="0" nodeType="withEffect">
                                   <p:stCondLst>
                                     <p:cond delay="0"/>
                                   </p:stCondLst>
                                   <p:childTnLst>
                                     <p:set>
                                       <p:cBhvr>
-                                        <p:cTn id="14" dur="1" fill="hold">
-                                          <p:stCondLst>
-                                            <p:cond delay="0"/>
-                                          </p:stCondLst>
-                                        </p:cTn>
-                                        <p:tgtEl>
-                                          <p:spTgt spid="5"/>
-                                        </p:tgtEl>
-                                        <p:attrNameLst>
-                                          <p:attrName>style.visibility</p:attrName>
-                                        </p:attrNameLst>
-                                      </p:cBhvr>
-                                      <p:to>
-                                        <p:strVal val="visible"/>
-                                      </p:to>
-                                    </p:set>
-                                  </p:childTnLst>
-                                </p:cTn>
-                              </p:par>
-                              <p:par>
-                                <p:cTn id="15" presetID="1" presetClass="entr" presetSubtype="0" fill="hold" grpId="0" nodeType="withEffect">
-                                  <p:stCondLst>
-                                    <p:cond delay="0"/>
-                                  </p:stCondLst>
-                                  <p:childTnLst>
-                                    <p:set>
-                                      <p:cBhvr>
-                                        <p:cTn id="16" dur="1" fill="hold">
-                                          <p:stCondLst>
-                                            <p:cond delay="0"/>
-                                          </p:stCondLst>
-                                        </p:cTn>
-                                        <p:tgtEl>
-                                          <p:spTgt spid="8"/>
-                                        </p:tgtEl>
-                                        <p:attrNameLst>
-                                          <p:attrName>style.visibility</p:attrName>
-                                        </p:attrNameLst>
-                                      </p:cBhvr>
-                                      <p:to>
-                                        <p:strVal val="visible"/>
-                                      </p:to>
-                                    </p:set>
-                                  </p:childTnLst>
-                                </p:cTn>
-                              </p:par>
-                              <p:par>
-                                <p:cTn id="17" presetID="1" presetClass="entr" presetSubtype="0" fill="hold" grpId="0" nodeType="withEffect">
-                                  <p:stCondLst>
-                                    <p:cond delay="0"/>
-                                  </p:stCondLst>
-                                  <p:childTnLst>
-                                    <p:set>
-                                      <p:cBhvr>
-                                        <p:cTn id="18" dur="1" fill="hold">
-                                          <p:stCondLst>
-                                            <p:cond delay="0"/>
-                                          </p:stCondLst>
-                                        </p:cTn>
-                                        <p:tgtEl>
-                                          <p:spTgt spid="9"/>
-                                        </p:tgtEl>
-                                        <p:attrNameLst>
-                                          <p:attrName>style.visibility</p:attrName>
-                                        </p:attrNameLst>
-                                      </p:cBhvr>
-                                      <p:to>
-                                        <p:strVal val="visible"/>
-                                      </p:to>
-                                    </p:set>
-                                  </p:childTnLst>
-                                </p:cTn>
-                              </p:par>
-                              <p:par>
-                                <p:cTn id="19" presetID="1" presetClass="entr" presetSubtype="0" fill="hold" grpId="0" nodeType="withEffect">
-                                  <p:stCondLst>
-                                    <p:cond delay="0"/>
-                                  </p:stCondLst>
-                                  <p:childTnLst>
-                                    <p:set>
-                                      <p:cBhvr>
-                                        <p:cTn id="20" dur="1" fill="hold">
-                                          <p:stCondLst>
-                                            <p:cond delay="0"/>
-                                          </p:stCondLst>
-                                        </p:cTn>
-                                        <p:tgtEl>
-                                          <p:spTgt spid="10"/>
-                                        </p:tgtEl>
-                                        <p:attrNameLst>
-                                          <p:attrName>style.visibility</p:attrName>
-                                        </p:attrNameLst>
-                                      </p:cBhvr>
-                                      <p:to>
-                                        <p:strVal val="visible"/>
-                                      </p:to>
-                                    </p:set>
-                                  </p:childTnLst>
-                                </p:cTn>
-                              </p:par>
-                              <p:par>
-                                <p:cTn id="21" presetID="1" presetClass="entr" presetSubtype="0" fill="hold" grpId="0" nodeType="withEffect">
-                                  <p:stCondLst>
-                                    <p:cond delay="0"/>
-                                  </p:stCondLst>
-                                  <p:childTnLst>
-                                    <p:set>
-                                      <p:cBhvr>
-                                        <p:cTn id="22" dur="1" fill="hold">
-                                          <p:stCondLst>
-                                            <p:cond delay="0"/>
-                                          </p:stCondLst>
-                                        </p:cTn>
-                                        <p:tgtEl>
-                                          <p:spTgt spid="11"/>
-                                        </p:tgtEl>
-                                        <p:attrNameLst>
-                                          <p:attrName>style.visibility</p:attrName>
-                                        </p:attrNameLst>
-                                      </p:cBhvr>
-                                      <p:to>
-                                        <p:strVal val="visible"/>
-                                      </p:to>
-                                    </p:set>
-                                  </p:childTnLst>
-                                </p:cTn>
-                              </p:par>
-                              <p:par>
-                                <p:cTn id="23" presetID="1" presetClass="entr" presetSubtype="0" fill="hold" grpId="0" nodeType="withEffect">
-                                  <p:stCondLst>
-                                    <p:cond delay="0"/>
-                                  </p:stCondLst>
-                                  <p:childTnLst>
-                                    <p:set>
-                                      <p:cBhvr>
-                                        <p:cTn id="24" dur="1" fill="hold">
-                                          <p:stCondLst>
-                                            <p:cond delay="0"/>
-                                          </p:stCondLst>
-                                        </p:cTn>
-                                        <p:tgtEl>
-                                          <p:spTgt spid="12"/>
-                                        </p:tgtEl>
-                                        <p:attrNameLst>
-                                          <p:attrName>style.visibility</p:attrName>
-                                        </p:attrNameLst>
-                                      </p:cBhvr>
-                                      <p:to>
-                                        <p:strVal val="visible"/>
-                                      </p:to>
-                                    </p:set>
-                                  </p:childTnLst>
-                                </p:cTn>
-                              </p:par>
-                              <p:par>
-                                <p:cTn id="25" presetID="1" presetClass="entr" presetSubtype="0" fill="hold" grpId="0" nodeType="withEffect">
-                                  <p:stCondLst>
-                                    <p:cond delay="0"/>
-                                  </p:stCondLst>
-                                  <p:childTnLst>
-                                    <p:set>
-                                      <p:cBhvr>
-                                        <p:cTn id="26" dur="1" fill="hold">
-                                          <p:stCondLst>
-                                            <p:cond delay="0"/>
-                                          </p:stCondLst>
-                                        </p:cTn>
-                                        <p:tgtEl>
-                                          <p:spTgt spid="13"/>
-                                        </p:tgtEl>
-                                        <p:attrNameLst>
-                                          <p:attrName>style.visibility</p:attrName>
-                                        </p:attrNameLst>
-                                      </p:cBhvr>
-                                      <p:to>
-                                        <p:strVal val="visible"/>
-                                      </p:to>
-                                    </p:set>
-                                  </p:childTnLst>
-                                </p:cTn>
-                              </p:par>
-                              <p:par>
-                                <p:cTn id="27" presetID="1" presetClass="entr" presetSubtype="0" fill="hold" grpId="0" nodeType="withEffect">
-                                  <p:stCondLst>
-                                    <p:cond delay="0"/>
-                                  </p:stCondLst>
-                                  <p:childTnLst>
-                                    <p:set>
-                                      <p:cBhvr>
-                                        <p:cTn id="28" dur="1" fill="hold">
-                                          <p:stCondLst>
-                                            <p:cond delay="0"/>
-                                          </p:stCondLst>
-                                        </p:cTn>
-                                        <p:tgtEl>
-                                          <p:spTgt spid="14"/>
-                                        </p:tgtEl>
-                                        <p:attrNameLst>
-                                          <p:attrName>style.visibility</p:attrName>
-                                        </p:attrNameLst>
-                                      </p:cBhvr>
-                                      <p:to>
-                                        <p:strVal val="visible"/>
-                                      </p:to>
-                                    </p:set>
-                                  </p:childTnLst>
-                                </p:cTn>
-                              </p:par>
-                              <p:par>
-                                <p:cTn id="29" presetID="1" presetClass="entr" presetSubtype="0" fill="hold" grpId="0" nodeType="withEffect">
-                                  <p:stCondLst>
-                                    <p:cond delay="0"/>
-                                  </p:stCondLst>
-                                  <p:childTnLst>
-                                    <p:set>
-                                      <p:cBhvr>
-                                        <p:cTn id="30" dur="1" fill="hold">
+                                        <p:cTn id="12" dur="1" fill="hold">
                                           <p:stCondLst>
                                             <p:cond delay="0"/>
                                           </p:stCondLst>
@@ -11149,26 +11032,26 @@
                     </p:cTn>
                   </p:par>
                   <p:par>
-                    <p:cTn id="31" fill="hold">
+                    <p:cTn id="13" fill="hold">
                       <p:stCondLst>
                         <p:cond delay="indefinite"/>
                       </p:stCondLst>
                       <p:childTnLst>
                         <p:par>
-                          <p:cTn id="32" fill="hold">
+                          <p:cTn id="14" fill="hold">
                             <p:stCondLst>
                               <p:cond delay="0"/>
                             </p:stCondLst>
                             <p:childTnLst>
                               <p:par>
-                                <p:cTn id="33" presetID="1" presetClass="entr" presetSubtype="0" fill="hold" grpId="0" nodeType="clickEffect">
+                                <p:cTn id="15" presetID="1" presetClass="entr" presetSubtype="0" fill="hold" grpId="0" nodeType="clickEffect">
                                   <p:stCondLst>
                                     <p:cond delay="0"/>
                                   </p:stCondLst>
                                   <p:childTnLst>
                                     <p:set>
                                       <p:cBhvr>
-                                        <p:cTn id="34" dur="1" fill="hold">
+                                        <p:cTn id="16" dur="1" fill="hold">
                                           <p:stCondLst>
                                             <p:cond delay="0"/>
                                           </p:stCondLst>
@@ -11187,60 +11070,15 @@
                                   </p:childTnLst>
                                 </p:cTn>
                               </p:par>
-                            </p:childTnLst>
-                          </p:cTn>
-                        </p:par>
-                      </p:childTnLst>
-                    </p:cTn>
-                  </p:par>
-                  <p:par>
-                    <p:cTn id="35" fill="hold">
-                      <p:stCondLst>
-                        <p:cond delay="indefinite"/>
-                      </p:stCondLst>
-                      <p:childTnLst>
-                        <p:par>
-                          <p:cTn id="36" fill="hold">
-                            <p:stCondLst>
-                              <p:cond delay="0"/>
-                            </p:stCondLst>
-                            <p:childTnLst>
                               <p:par>
-                                <p:cTn id="37" presetID="1" presetClass="entr" presetSubtype="0" fill="hold" nodeType="clickEffect">
+                                <p:cTn id="17" presetID="1" presetClass="entr" presetSubtype="0" fill="hold" grpId="0" nodeType="withEffect">
                                   <p:stCondLst>
                                     <p:cond delay="0"/>
                                   </p:stCondLst>
                                   <p:childTnLst>
                                     <p:set>
                                       <p:cBhvr>
-                                        <p:cTn id="38" dur="1" fill="hold">
-                                          <p:stCondLst>
-                                            <p:cond delay="0"/>
-                                          </p:stCondLst>
-                                        </p:cTn>
-                                        <p:tgtEl>
-                                          <p:spTgt spid="16"/>
-                                        </p:tgtEl>
-                                        <p:attrNameLst>
-                                          <p:attrName>style.visibility</p:attrName>
-                                        </p:attrNameLst>
-                                      </p:cBhvr>
-                                      <p:to>
-                                        <p:strVal val="visible"/>
-                                      </p:to>
-                                    </p:set>
-                                  </p:childTnLst>
-                                </p:cTn>
-                              </p:par>
-                              <p:par>
-                                <p:cTn id="39" presetID="1" presetClass="entr" presetSubtype="0" fill="hold" grpId="0" nodeType="withEffect">
-                                  <p:stCondLst>
-                                    <p:cond delay="0"/>
-                                  </p:stCondLst>
-                                  <p:childTnLst>
-                                    <p:set>
-                                      <p:cBhvr>
-                                        <p:cTn id="40" dur="1" fill="hold">
+                                        <p:cTn id="18" dur="1" fill="hold">
                                           <p:stCondLst>
                                             <p:cond delay="0"/>
                                           </p:stCondLst>
@@ -11287,15 +11125,7 @@
       </p:par>
     </p:tnLst>
     <p:bldLst>
-      <p:bldP spid="5" grpId="0" animBg="1"/>
       <p:bldP spid="6" grpId="0"/>
-      <p:bldP spid="8" grpId="0" animBg="1"/>
-      <p:bldP spid="9" grpId="0" animBg="1"/>
-      <p:bldP spid="10" grpId="0" animBg="1"/>
-      <p:bldP spid="11" grpId="0" animBg="1"/>
-      <p:bldP spid="12" grpId="0" animBg="1"/>
-      <p:bldP spid="13" grpId="0" animBg="1"/>
-      <p:bldP spid="14" grpId="0" animBg="1"/>
       <p:bldP spid="7" grpId="0" animBg="1"/>
       <p:bldP spid="26" grpId="0"/>
     </p:bldLst>
@@ -11322,30 +11152,6 @@
       </p:grpSpPr>
       <p:sp>
         <p:nvSpPr>
-          <p:cNvPr id="2" name="Slide Number Placeholder 1"/>
-          <p:cNvSpPr>
-            <a:spLocks noGrp="1"/>
-          </p:cNvSpPr>
-          <p:nvPr>
-            <p:ph type="sldNum" sz="quarter" idx="5"/>
-          </p:nvPr>
-        </p:nvSpPr>
-        <p:spPr/>
-        <p:txBody>
-          <a:bodyPr/>
-          <a:lstStyle/>
-          <a:p>
-            <a:fld id="{2BF067CD-8E6B-4360-9AA8-C5DF2A48A6D1}" type="slidenum">
-              <a:rPr lang="en-US" noProof="0" smtClean="0"/>
-              <a:pPr/>
-              <a:t>14</a:t>
-            </a:fld>
-            <a:endParaRPr lang="en-US" noProof="0" dirty="0"/>
-          </a:p>
-        </p:txBody>
-      </p:sp>
-      <p:sp>
-        <p:nvSpPr>
           <p:cNvPr id="3" name="Text Placeholder 2"/>
           <p:cNvSpPr>
             <a:spLocks noGrp="1"/>
@@ -11589,6 +11395,36 @@
               <a:rPr lang="en-US" dirty="0"/>
               <a:t> (2)</a:t>
             </a:r>
+          </a:p>
+        </p:txBody>
+      </p:sp>
+      <p:sp>
+        <p:nvSpPr>
+          <p:cNvPr id="5" name="Slide Number Placeholder 4">
+            <a:extLst>
+              <a:ext uri="{FF2B5EF4-FFF2-40B4-BE49-F238E27FC236}">
+                <a16:creationId xmlns:a16="http://schemas.microsoft.com/office/drawing/2014/main" id="{BD1AE2E7-F9B2-61F0-7BFE-1068693296F2}"/>
+              </a:ext>
+            </a:extLst>
+          </p:cNvPr>
+          <p:cNvSpPr>
+            <a:spLocks noGrp="1"/>
+          </p:cNvSpPr>
+          <p:nvPr>
+            <p:ph type="sldNum" sz="quarter" idx="5"/>
+          </p:nvPr>
+        </p:nvSpPr>
+        <p:spPr/>
+        <p:txBody>
+          <a:bodyPr/>
+          <a:lstStyle/>
+          <a:p>
+            <a:fld id="{2BF067CD-8E6B-4360-9AA8-C5DF2A48A6D1}" type="slidenum">
+              <a:rPr lang="en-US" noProof="0" smtClean="0"/>
+              <a:pPr/>
+              <a:t>14</a:t>
+            </a:fld>
+            <a:endParaRPr lang="en-US" noProof="0" dirty="0"/>
           </a:p>
         </p:txBody>
       </p:sp>
@@ -12026,132 +11862,6 @@
               <a:rPr lang="bg-BG" dirty="0"/>
               <a:t>Какво научихме днес?</a:t>
             </a:r>
-            <a:endParaRPr lang="en-US" dirty="0"/>
-          </a:p>
-        </p:txBody>
-      </p:sp>
-      <p:sp>
-        <p:nvSpPr>
-          <p:cNvPr id="6" name="Slide Number Placeholder 5"/>
-          <p:cNvSpPr>
-            <a:spLocks noGrp="1"/>
-          </p:cNvSpPr>
-          <p:nvPr>
-            <p:ph type="sldNum" sz="quarter" idx="13"/>
-          </p:nvPr>
-        </p:nvSpPr>
-        <p:spPr>
-          <a:xfrm>
-            <a:off x="11566412" y="6397196"/>
-            <a:ext cx="428822" cy="308845"/>
-          </a:xfrm>
-          <a:prstGeom prst="rect">
-            <a:avLst/>
-          </a:prstGeom>
-        </p:spPr>
-        <p:txBody>
-          <a:bodyPr vert="horz" lIns="36000" tIns="36000" rIns="36000" bIns="36000" rtlCol="0" anchor="ctr"/>
-          <a:lstStyle>
-            <a:defPPr>
-              <a:defRPr lang="en-US"/>
-            </a:defPPr>
-            <a:lvl1pPr marL="0" algn="r" defTabSz="914400" rtl="0" eaLnBrk="1" latinLnBrk="0" hangingPunct="1">
-              <a:defRPr sz="1000" kern="1200">
-                <a:solidFill>
-                  <a:schemeClr val="tx1"/>
-                </a:solidFill>
-                <a:latin typeface="+mn-lt"/>
-                <a:ea typeface="+mn-ea"/>
-                <a:cs typeface="+mn-cs"/>
-              </a:defRPr>
-            </a:lvl1pPr>
-            <a:lvl2pPr marL="457200" algn="l" defTabSz="914400" rtl="0" eaLnBrk="1" latinLnBrk="0" hangingPunct="1">
-              <a:defRPr sz="1800" kern="1200">
-                <a:solidFill>
-                  <a:schemeClr val="tx1"/>
-                </a:solidFill>
-                <a:latin typeface="+mn-lt"/>
-                <a:ea typeface="+mn-ea"/>
-                <a:cs typeface="+mn-cs"/>
-              </a:defRPr>
-            </a:lvl2pPr>
-            <a:lvl3pPr marL="914400" algn="l" defTabSz="914400" rtl="0" eaLnBrk="1" latinLnBrk="0" hangingPunct="1">
-              <a:defRPr sz="1800" kern="1200">
-                <a:solidFill>
-                  <a:schemeClr val="tx1"/>
-                </a:solidFill>
-                <a:latin typeface="+mn-lt"/>
-                <a:ea typeface="+mn-ea"/>
-                <a:cs typeface="+mn-cs"/>
-              </a:defRPr>
-            </a:lvl3pPr>
-            <a:lvl4pPr marL="1371600" algn="l" defTabSz="914400" rtl="0" eaLnBrk="1" latinLnBrk="0" hangingPunct="1">
-              <a:defRPr sz="1800" kern="1200">
-                <a:solidFill>
-                  <a:schemeClr val="tx1"/>
-                </a:solidFill>
-                <a:latin typeface="+mn-lt"/>
-                <a:ea typeface="+mn-ea"/>
-                <a:cs typeface="+mn-cs"/>
-              </a:defRPr>
-            </a:lvl4pPr>
-            <a:lvl5pPr marL="1828800" algn="l" defTabSz="914400" rtl="0" eaLnBrk="1" latinLnBrk="0" hangingPunct="1">
-              <a:defRPr sz="1800" kern="1200">
-                <a:solidFill>
-                  <a:schemeClr val="tx1"/>
-                </a:solidFill>
-                <a:latin typeface="+mn-lt"/>
-                <a:ea typeface="+mn-ea"/>
-                <a:cs typeface="+mn-cs"/>
-              </a:defRPr>
-            </a:lvl5pPr>
-            <a:lvl6pPr marL="2286000" algn="l" defTabSz="914400" rtl="0" eaLnBrk="1" latinLnBrk="0" hangingPunct="1">
-              <a:defRPr sz="1800" kern="1200">
-                <a:solidFill>
-                  <a:schemeClr val="tx1"/>
-                </a:solidFill>
-                <a:latin typeface="+mn-lt"/>
-                <a:ea typeface="+mn-ea"/>
-                <a:cs typeface="+mn-cs"/>
-              </a:defRPr>
-            </a:lvl6pPr>
-            <a:lvl7pPr marL="2743200" algn="l" defTabSz="914400" rtl="0" eaLnBrk="1" latinLnBrk="0" hangingPunct="1">
-              <a:defRPr sz="1800" kern="1200">
-                <a:solidFill>
-                  <a:schemeClr val="tx1"/>
-                </a:solidFill>
-                <a:latin typeface="+mn-lt"/>
-                <a:ea typeface="+mn-ea"/>
-                <a:cs typeface="+mn-cs"/>
-              </a:defRPr>
-            </a:lvl7pPr>
-            <a:lvl8pPr marL="3200400" algn="l" defTabSz="914400" rtl="0" eaLnBrk="1" latinLnBrk="0" hangingPunct="1">
-              <a:defRPr sz="1800" kern="1200">
-                <a:solidFill>
-                  <a:schemeClr val="tx1"/>
-                </a:solidFill>
-                <a:latin typeface="+mn-lt"/>
-                <a:ea typeface="+mn-ea"/>
-                <a:cs typeface="+mn-cs"/>
-              </a:defRPr>
-            </a:lvl8pPr>
-            <a:lvl9pPr marL="3657600" algn="l" defTabSz="914400" rtl="0" eaLnBrk="1" latinLnBrk="0" hangingPunct="1">
-              <a:defRPr sz="1800" kern="1200">
-                <a:solidFill>
-                  <a:schemeClr val="tx1"/>
-                </a:solidFill>
-                <a:latin typeface="+mn-lt"/>
-                <a:ea typeface="+mn-ea"/>
-                <a:cs typeface="+mn-cs"/>
-              </a:defRPr>
-            </a:lvl9pPr>
-          </a:lstStyle>
-          <a:p>
-            <a:fld id="{C014DD1E-5D91-48A3-AD6D-45FBA980D106}" type="slidenum">
-              <a:rPr lang="en-US" smtClean="0"/>
-              <a:pPr/>
-              <a:t>15</a:t>
-            </a:fld>
             <a:endParaRPr lang="en-US" dirty="0"/>
           </a:p>
         </p:txBody>
@@ -12867,6 +12577,36 @@
                 <a:schemeClr val="bg2"/>
               </a:solidFill>
             </a:endParaRPr>
+          </a:p>
+        </p:txBody>
+      </p:sp>
+      <p:sp>
+        <p:nvSpPr>
+          <p:cNvPr id="2" name="Slide Number Placeholder 1">
+            <a:extLst>
+              <a:ext uri="{FF2B5EF4-FFF2-40B4-BE49-F238E27FC236}">
+                <a16:creationId xmlns:a16="http://schemas.microsoft.com/office/drawing/2014/main" id="{C093F853-6A03-1CC4-6499-BF1062CC38BE}"/>
+              </a:ext>
+            </a:extLst>
+          </p:cNvPr>
+          <p:cNvSpPr>
+            <a:spLocks noGrp="1"/>
+          </p:cNvSpPr>
+          <p:nvPr>
+            <p:ph type="sldNum" sz="quarter" idx="5"/>
+          </p:nvPr>
+        </p:nvSpPr>
+        <p:spPr/>
+        <p:txBody>
+          <a:bodyPr/>
+          <a:lstStyle/>
+          <a:p>
+            <a:fld id="{2BF067CD-8E6B-4360-9AA8-C5DF2A48A6D1}" type="slidenum">
+              <a:rPr lang="en-US" noProof="0" smtClean="0"/>
+              <a:pPr/>
+              <a:t>15</a:t>
+            </a:fld>
+            <a:endParaRPr lang="en-US" noProof="0" dirty="0"/>
           </a:p>
         </p:txBody>
       </p:sp>
@@ -13651,7 +13391,7 @@
 </file>
 
 <file path=ppt/slides/slide17.xml><?xml version="1.0" encoding="utf-8"?>
-<p:sld xmlns:a="http://schemas.openxmlformats.org/drawingml/2006/main" xmlns:r="http://schemas.openxmlformats.org/officeDocument/2006/relationships" xmlns:p="http://schemas.openxmlformats.org/presentationml/2006/main">
+<p:sld xmlns:a="http://schemas.openxmlformats.org/drawingml/2006/main" xmlns:r="http://schemas.openxmlformats.org/officeDocument/2006/relationships" xmlns:p="http://schemas.openxmlformats.org/presentationml/2006/main" show="0">
   <p:cSld>
     <p:spTree>
       <p:nvGrpSpPr>
@@ -13667,48 +13407,6 @@
           <a:chExt cx="0" cy="0"/>
         </a:xfrm>
       </p:grpSpPr>
-      <p:sp>
-        <p:nvSpPr>
-          <p:cNvPr id="5" name="Slide Number">
-            <a:extLst>
-              <a:ext uri="{FF2B5EF4-FFF2-40B4-BE49-F238E27FC236}">
-                <a16:creationId xmlns:a16="http://schemas.microsoft.com/office/drawing/2014/main" id="{F48C3C93-90A1-4D31-BEA6-B54D1106CE31}"/>
-              </a:ext>
-            </a:extLst>
-          </p:cNvPr>
-          <p:cNvSpPr>
-            <a:spLocks noGrp="1"/>
-          </p:cNvSpPr>
-          <p:nvPr>
-            <p:ph type="sldNum" sz="quarter" idx="5"/>
-          </p:nvPr>
-        </p:nvSpPr>
-        <p:spPr>
-          <a:xfrm>
-            <a:off x="11753030" y="6507000"/>
-            <a:ext cx="367414" cy="297000"/>
-          </a:xfrm>
-          <a:prstGeom prst="rect">
-            <a:avLst/>
-          </a:prstGeom>
-        </p:spPr>
-        <p:txBody>
-          <a:bodyPr vert="horz" lIns="91440" tIns="45720" rIns="91440" bIns="45720" rtlCol="0" anchor="b"/>
-          <a:lstStyle>
-            <a:lvl1pPr algn="r">
-              <a:defRPr sz="1000"/>
-            </a:lvl1pPr>
-          </a:lstStyle>
-          <a:p>
-            <a:fld id="{2BF067CD-8E6B-4360-9AA8-C5DF2A48A6D1}" type="slidenum">
-              <a:rPr lang="en-US" smtClean="0"/>
-              <a:pPr/>
-              <a:t>17</a:t>
-            </a:fld>
-            <a:endParaRPr lang="en-US" dirty="0"/>
-          </a:p>
-        </p:txBody>
-      </p:sp>
       <p:sp>
         <p:nvSpPr>
           <p:cNvPr id="2" name="Slide Body">
@@ -14012,6 +13710,36 @@
           </a:ln>
         </p:spPr>
       </p:pic>
+      <p:sp>
+        <p:nvSpPr>
+          <p:cNvPr id="4" name="Slide Number Placeholder 3">
+            <a:extLst>
+              <a:ext uri="{FF2B5EF4-FFF2-40B4-BE49-F238E27FC236}">
+                <a16:creationId xmlns:a16="http://schemas.microsoft.com/office/drawing/2014/main" id="{C94AC1DA-FAB2-C7A1-F292-7F020438E9EE}"/>
+              </a:ext>
+            </a:extLst>
+          </p:cNvPr>
+          <p:cNvSpPr>
+            <a:spLocks noGrp="1"/>
+          </p:cNvSpPr>
+          <p:nvPr>
+            <p:ph type="sldNum" sz="quarter" idx="5"/>
+          </p:nvPr>
+        </p:nvSpPr>
+        <p:spPr/>
+        <p:txBody>
+          <a:bodyPr/>
+          <a:lstStyle/>
+          <a:p>
+            <a:fld id="{2BF067CD-8E6B-4360-9AA8-C5DF2A48A6D1}" type="slidenum">
+              <a:rPr lang="en-US" noProof="0" smtClean="0"/>
+              <a:pPr/>
+              <a:t>17</a:t>
+            </a:fld>
+            <a:endParaRPr lang="en-US" noProof="0" dirty="0"/>
+          </a:p>
+        </p:txBody>
+      </p:sp>
     </p:spTree>
     <p:extLst>
       <p:ext uri="{BB962C8B-B14F-4D97-AF65-F5344CB8AC3E}">
@@ -14022,11 +13750,11 @@
   <p:clrMapOvr>
     <a:masterClrMapping/>
   </p:clrMapOvr>
-  <mc:AlternateContent xmlns:mc="http://schemas.openxmlformats.org/markup-compatibility/2006" xmlns:p14="http://schemas.microsoft.com/office/powerpoint/2010/main">
-    <mc:Choice Requires="p14">
+  <mc:AlternateContent xmlns:mc="http://schemas.openxmlformats.org/markup-compatibility/2006">
+    <mc:Choice xmlns:p14="http://schemas.microsoft.com/office/powerpoint/2010/main" Requires="p14">
       <p:transition spd="slow" p14:dur="2000" advClick="0" advTm="5000"/>
     </mc:Choice>
-    <mc:Fallback xmlns="">
+    <mc:Fallback>
       <p:transition spd="slow" advClick="0" advTm="5000"/>
     </mc:Fallback>
   </mc:AlternateContent>
@@ -14356,6 +14084,36 @@
           </a:prstGeom>
         </p:spPr>
       </p:pic>
+      <p:sp>
+        <p:nvSpPr>
+          <p:cNvPr id="2" name="Slide Number Placeholder 1">
+            <a:extLst>
+              <a:ext uri="{FF2B5EF4-FFF2-40B4-BE49-F238E27FC236}">
+                <a16:creationId xmlns:a16="http://schemas.microsoft.com/office/drawing/2014/main" id="{33F428AF-5C0F-FF61-F1B9-EB743FEAB7FB}"/>
+              </a:ext>
+            </a:extLst>
+          </p:cNvPr>
+          <p:cNvSpPr>
+            <a:spLocks noGrp="1"/>
+          </p:cNvSpPr>
+          <p:nvPr>
+            <p:ph type="sldNum" sz="quarter" idx="4"/>
+          </p:nvPr>
+        </p:nvSpPr>
+        <p:spPr/>
+        <p:txBody>
+          <a:bodyPr/>
+          <a:lstStyle/>
+          <a:p>
+            <a:fld id="{2BF067CD-8E6B-4360-9AA8-C5DF2A48A6D1}" type="slidenum">
+              <a:rPr lang="en-US" noProof="0" smtClean="0"/>
+              <a:pPr/>
+              <a:t>2</a:t>
+            </a:fld>
+            <a:endParaRPr lang="en-US" noProof="0"/>
+          </a:p>
+        </p:txBody>
+      </p:sp>
     </p:spTree>
     <p:extLst>
       <p:ext uri="{BB962C8B-B14F-4D97-AF65-F5344CB8AC3E}">
@@ -14852,41 +14610,26 @@
             <p:ph type="body" sz="quarter" idx="10"/>
           </p:nvPr>
         </p:nvSpPr>
-        <p:spPr/>
+        <p:spPr>
+          <a:xfrm>
+            <a:off x="190402" y="1196125"/>
+            <a:ext cx="11818096" cy="5528766"/>
+          </a:xfrm>
+        </p:spPr>
         <p:txBody>
           <a:bodyPr/>
           <a:lstStyle/>
           <a:p>
             <a:r>
               <a:rPr lang="bg-BG" dirty="0"/>
-              <a:t>Какво представляват </a:t>
-            </a:r>
-            <a:r>
-              <a:rPr lang="bg-BG" b="1" dirty="0"/>
-              <a:t>данните</a:t>
-            </a:r>
+              <a:t>Какво представляват данните?</a:t>
+            </a:r>
+          </a:p>
+          <a:p>
+            <a:pPr lvl="1"/>
             <a:r>
               <a:rPr lang="bg-BG" dirty="0"/>
-              <a:t>?</a:t>
-            </a:r>
-          </a:p>
-          <a:p>
-            <a:pPr lvl="1"/>
-            <a:r>
-              <a:rPr lang="bg-BG" b="1" dirty="0"/>
-              <a:t>͏</a:t>
-            </a:r>
-            <a:r>
-              <a:rPr lang="bg-BG" b="1" dirty="0">
-                <a:solidFill>
-                  <a:schemeClr val="bg1"/>
-                </a:solidFill>
-              </a:rPr>
-              <a:t>Данни</a:t>
-            </a:r>
-            <a:r>
-              <a:rPr lang="bg-BG" dirty="0"/>
-              <a:t> – символно записани факти</a:t>
+              <a:t>͏Данни – символно записани факти</a:t>
             </a:r>
           </a:p>
           <a:p>
@@ -14919,7 +14662,12 @@
             <p:ph type="title"/>
           </p:nvPr>
         </p:nvSpPr>
-        <p:spPr/>
+        <p:spPr>
+          <a:xfrm>
+            <a:off x="190406" y="100750"/>
+            <a:ext cx="10270594" cy="882654"/>
+          </a:xfrm>
+        </p:spPr>
         <p:txBody>
           <a:bodyPr/>
           <a:lstStyle/>
@@ -15121,6 +14869,36 @@
           </a:extLst>
         </p:spPr>
       </p:pic>
+      <p:sp>
+        <p:nvSpPr>
+          <p:cNvPr id="14" name="Slide Number Placeholder 13">
+            <a:extLst>
+              <a:ext uri="{FF2B5EF4-FFF2-40B4-BE49-F238E27FC236}">
+                <a16:creationId xmlns:a16="http://schemas.microsoft.com/office/drawing/2014/main" id="{C66950D3-34FC-A4B8-6EBF-FE8459B5EEC7}"/>
+              </a:ext>
+            </a:extLst>
+          </p:cNvPr>
+          <p:cNvSpPr>
+            <a:spLocks noGrp="1"/>
+          </p:cNvSpPr>
+          <p:nvPr>
+            <p:ph type="sldNum" sz="quarter" idx="5"/>
+          </p:nvPr>
+        </p:nvSpPr>
+        <p:spPr/>
+        <p:txBody>
+          <a:bodyPr/>
+          <a:lstStyle/>
+          <a:p>
+            <a:fld id="{2BF067CD-8E6B-4360-9AA8-C5DF2A48A6D1}" type="slidenum">
+              <a:rPr lang="en-US" noProof="0" smtClean="0"/>
+              <a:pPr/>
+              <a:t>4</a:t>
+            </a:fld>
+            <a:endParaRPr lang="en-US" noProof="0" dirty="0"/>
+          </a:p>
+        </p:txBody>
+      </p:sp>
     </p:spTree>
     <p:extLst>
       <p:ext uri="{BB962C8B-B14F-4D97-AF65-F5344CB8AC3E}">
@@ -15173,153 +14951,6 @@
                                           </p:stCondLst>
                                         </p:cTn>
                                         <p:tgtEl>
-                                          <p:spTgt spid="5">
-                                            <p:txEl>
-                                              <p:pRg st="1" end="1"/>
-                                            </p:txEl>
-                                          </p:spTgt>
-                                        </p:tgtEl>
-                                        <p:attrNameLst>
-                                          <p:attrName>style.visibility</p:attrName>
-                                        </p:attrNameLst>
-                                      </p:cBhvr>
-                                      <p:to>
-                                        <p:strVal val="visible"/>
-                                      </p:to>
-                                    </p:set>
-                                  </p:childTnLst>
-                                </p:cTn>
-                              </p:par>
-                            </p:childTnLst>
-                          </p:cTn>
-                        </p:par>
-                      </p:childTnLst>
-                    </p:cTn>
-                  </p:par>
-                  <p:par>
-                    <p:cTn id="7" fill="hold">
-                      <p:stCondLst>
-                        <p:cond delay="indefinite"/>
-                      </p:stCondLst>
-                      <p:childTnLst>
-                        <p:par>
-                          <p:cTn id="8" fill="hold">
-                            <p:stCondLst>
-                              <p:cond delay="0"/>
-                            </p:stCondLst>
-                            <p:childTnLst>
-                              <p:par>
-                                <p:cTn id="9" presetID="1" presetClass="entr" presetSubtype="0" fill="hold" nodeType="clickEffect">
-                                  <p:stCondLst>
-                                    <p:cond delay="0"/>
-                                  </p:stCondLst>
-                                  <p:childTnLst>
-                                    <p:set>
-                                      <p:cBhvr>
-                                        <p:cTn id="10" dur="1" fill="hold">
-                                          <p:stCondLst>
-                                            <p:cond delay="0"/>
-                                          </p:stCondLst>
-                                        </p:cTn>
-                                        <p:tgtEl>
-                                          <p:spTgt spid="5">
-                                            <p:txEl>
-                                              <p:pRg st="2" end="2"/>
-                                            </p:txEl>
-                                          </p:spTgt>
-                                        </p:tgtEl>
-                                        <p:attrNameLst>
-                                          <p:attrName>style.visibility</p:attrName>
-                                        </p:attrNameLst>
-                                      </p:cBhvr>
-                                      <p:to>
-                                        <p:strVal val="visible"/>
-                                      </p:to>
-                                    </p:set>
-                                  </p:childTnLst>
-                                </p:cTn>
-                              </p:par>
-                            </p:childTnLst>
-                          </p:cTn>
-                        </p:par>
-                      </p:childTnLst>
-                    </p:cTn>
-                  </p:par>
-                  <p:par>
-                    <p:cTn id="11" fill="hold">
-                      <p:stCondLst>
-                        <p:cond delay="indefinite"/>
-                      </p:stCondLst>
-                      <p:childTnLst>
-                        <p:par>
-                          <p:cTn id="12" fill="hold">
-                            <p:stCondLst>
-                              <p:cond delay="0"/>
-                            </p:stCondLst>
-                            <p:childTnLst>
-                              <p:par>
-                                <p:cTn id="13" presetID="1" presetClass="entr" presetSubtype="0" fill="hold" nodeType="clickEffect">
-                                  <p:stCondLst>
-                                    <p:cond delay="0"/>
-                                  </p:stCondLst>
-                                  <p:childTnLst>
-                                    <p:set>
-                                      <p:cBhvr>
-                                        <p:cTn id="14" dur="1" fill="hold">
-                                          <p:stCondLst>
-                                            <p:cond delay="0"/>
-                                          </p:stCondLst>
-                                        </p:cTn>
-                                        <p:tgtEl>
-                                          <p:spTgt spid="5">
-                                            <p:txEl>
-                                              <p:pRg st="3" end="3"/>
-                                            </p:txEl>
-                                          </p:spTgt>
-                                        </p:tgtEl>
-                                        <p:attrNameLst>
-                                          <p:attrName>style.visibility</p:attrName>
-                                        </p:attrNameLst>
-                                      </p:cBhvr>
-                                      <p:to>
-                                        <p:strVal val="visible"/>
-                                      </p:to>
-                                    </p:set>
-                                  </p:childTnLst>
-                                </p:cTn>
-                              </p:par>
-                            </p:childTnLst>
-                          </p:cTn>
-                        </p:par>
-                      </p:childTnLst>
-                    </p:cTn>
-                  </p:par>
-                  <p:par>
-                    <p:cTn id="15" fill="hold">
-                      <p:stCondLst>
-                        <p:cond delay="indefinite"/>
-                      </p:stCondLst>
-                      <p:childTnLst>
-                        <p:par>
-                          <p:cTn id="16" fill="hold">
-                            <p:stCondLst>
-                              <p:cond delay="0"/>
-                            </p:stCondLst>
-                            <p:childTnLst>
-                              <p:par>
-                                <p:cTn id="17" presetID="1" presetClass="entr" presetSubtype="0" fill="hold" nodeType="clickEffect">
-                                  <p:stCondLst>
-                                    <p:cond delay="0"/>
-                                  </p:stCondLst>
-                                  <p:childTnLst>
-                                    <p:set>
-                                      <p:cBhvr>
-                                        <p:cTn id="18" dur="1" fill="hold">
-                                          <p:stCondLst>
-                                            <p:cond delay="0"/>
-                                          </p:stCondLst>
-                                        </p:cTn>
-                                        <p:tgtEl>
                                           <p:spTgt spid="3082"/>
                                         </p:tgtEl>
                                         <p:attrNameLst>
@@ -15334,14 +14965,14 @@
                                 </p:cTn>
                               </p:par>
                               <p:par>
-                                <p:cTn id="19" presetID="1" presetClass="entr" presetSubtype="0" fill="hold" nodeType="withEffect">
+                                <p:cTn id="7" presetID="1" presetClass="entr" presetSubtype="0" fill="hold" nodeType="withEffect">
                                   <p:stCondLst>
                                     <p:cond delay="0"/>
                                   </p:stCondLst>
                                   <p:childTnLst>
                                     <p:set>
                                       <p:cBhvr>
-                                        <p:cTn id="20" dur="1" fill="hold">
+                                        <p:cTn id="8" dur="1" fill="hold">
                                           <p:stCondLst>
                                             <p:cond delay="0"/>
                                           </p:stCondLst>
@@ -15408,30 +15039,6 @@
           <a:chExt cx="0" cy="0"/>
         </a:xfrm>
       </p:grpSpPr>
-      <p:sp>
-        <p:nvSpPr>
-          <p:cNvPr id="2" name="Slide Number Placeholder 1"/>
-          <p:cNvSpPr>
-            <a:spLocks noGrp="1"/>
-          </p:cNvSpPr>
-          <p:nvPr>
-            <p:ph type="sldNum" sz="quarter" idx="5"/>
-          </p:nvPr>
-        </p:nvSpPr>
-        <p:spPr/>
-        <p:txBody>
-          <a:bodyPr/>
-          <a:lstStyle/>
-          <a:p>
-            <a:fld id="{2BF067CD-8E6B-4360-9AA8-C5DF2A48A6D1}" type="slidenum">
-              <a:rPr lang="en-US" noProof="0" smtClean="0"/>
-              <a:pPr/>
-              <a:t>5</a:t>
-            </a:fld>
-            <a:endParaRPr lang="en-US" noProof="0" dirty="0"/>
-          </a:p>
-        </p:txBody>
-      </p:sp>
       <p:sp>
         <p:nvSpPr>
           <p:cNvPr id="3" name="Text Placeholder 2"/>
@@ -15618,6 +15225,36 @@
           </a:extLst>
         </p:spPr>
       </p:pic>
+      <p:sp>
+        <p:nvSpPr>
+          <p:cNvPr id="5" name="Slide Number Placeholder 4">
+            <a:extLst>
+              <a:ext uri="{FF2B5EF4-FFF2-40B4-BE49-F238E27FC236}">
+                <a16:creationId xmlns:a16="http://schemas.microsoft.com/office/drawing/2014/main" id="{E0D408E2-236F-76A8-A4B1-5C8FCC67435E}"/>
+              </a:ext>
+            </a:extLst>
+          </p:cNvPr>
+          <p:cNvSpPr>
+            <a:spLocks noGrp="1"/>
+          </p:cNvSpPr>
+          <p:nvPr>
+            <p:ph type="sldNum" sz="quarter" idx="5"/>
+          </p:nvPr>
+        </p:nvSpPr>
+        <p:spPr/>
+        <p:txBody>
+          <a:bodyPr/>
+          <a:lstStyle/>
+          <a:p>
+            <a:fld id="{2BF067CD-8E6B-4360-9AA8-C5DF2A48A6D1}" type="slidenum">
+              <a:rPr lang="en-US" noProof="0" smtClean="0"/>
+              <a:pPr/>
+              <a:t>5</a:t>
+            </a:fld>
+            <a:endParaRPr lang="en-US" noProof="0" dirty="0"/>
+          </a:p>
+        </p:txBody>
+      </p:sp>
     </p:spTree>
     <p:extLst>
       <p:ext uri="{BB962C8B-B14F-4D97-AF65-F5344CB8AC3E}">
@@ -15809,30 +15446,6 @@
       </p:grpSpPr>
       <p:sp>
         <p:nvSpPr>
-          <p:cNvPr id="2" name="Slide Number Placeholder 1"/>
-          <p:cNvSpPr>
-            <a:spLocks noGrp="1"/>
-          </p:cNvSpPr>
-          <p:nvPr>
-            <p:ph type="sldNum" sz="quarter" idx="5"/>
-          </p:nvPr>
-        </p:nvSpPr>
-        <p:spPr/>
-        <p:txBody>
-          <a:bodyPr/>
-          <a:lstStyle/>
-          <a:p>
-            <a:fld id="{2BF067CD-8E6B-4360-9AA8-C5DF2A48A6D1}" type="slidenum">
-              <a:rPr lang="en-US" noProof="0" smtClean="0"/>
-              <a:pPr/>
-              <a:t>6</a:t>
-            </a:fld>
-            <a:endParaRPr lang="en-US" noProof="0" dirty="0"/>
-          </a:p>
-        </p:txBody>
-      </p:sp>
-      <p:sp>
-        <p:nvSpPr>
           <p:cNvPr id="3" name="Text Placeholder 2"/>
           <p:cNvSpPr>
             <a:spLocks noGrp="1"/>
@@ -16039,6 +15652,36 @@
           </a:prstGeom>
         </p:spPr>
       </p:pic>
+      <p:sp>
+        <p:nvSpPr>
+          <p:cNvPr id="6" name="Slide Number Placeholder 5">
+            <a:extLst>
+              <a:ext uri="{FF2B5EF4-FFF2-40B4-BE49-F238E27FC236}">
+                <a16:creationId xmlns:a16="http://schemas.microsoft.com/office/drawing/2014/main" id="{64180136-86CC-0A3B-F9F7-F2BBDD0448BB}"/>
+              </a:ext>
+            </a:extLst>
+          </p:cNvPr>
+          <p:cNvSpPr>
+            <a:spLocks noGrp="1"/>
+          </p:cNvSpPr>
+          <p:nvPr>
+            <p:ph type="sldNum" sz="quarter" idx="5"/>
+          </p:nvPr>
+        </p:nvSpPr>
+        <p:spPr/>
+        <p:txBody>
+          <a:bodyPr/>
+          <a:lstStyle/>
+          <a:p>
+            <a:fld id="{2BF067CD-8E6B-4360-9AA8-C5DF2A48A6D1}" type="slidenum">
+              <a:rPr lang="en-US" noProof="0" smtClean="0"/>
+              <a:pPr/>
+              <a:t>6</a:t>
+            </a:fld>
+            <a:endParaRPr lang="en-US" noProof="0" dirty="0"/>
+          </a:p>
+        </p:txBody>
+      </p:sp>
     </p:spTree>
     <p:extLst>
       <p:ext uri="{BB962C8B-B14F-4D97-AF65-F5344CB8AC3E}">
@@ -16413,30 +16056,6 @@
       </p:grpSpPr>
       <p:sp>
         <p:nvSpPr>
-          <p:cNvPr id="2" name="Slide Number Placeholder 1"/>
-          <p:cNvSpPr>
-            <a:spLocks noGrp="1"/>
-          </p:cNvSpPr>
-          <p:nvPr>
-            <p:ph type="sldNum" sz="quarter" idx="5"/>
-          </p:nvPr>
-        </p:nvSpPr>
-        <p:spPr/>
-        <p:txBody>
-          <a:bodyPr/>
-          <a:lstStyle/>
-          <a:p>
-            <a:fld id="{2BF067CD-8E6B-4360-9AA8-C5DF2A48A6D1}" type="slidenum">
-              <a:rPr lang="en-US" noProof="0" smtClean="0"/>
-              <a:pPr/>
-              <a:t>7</a:t>
-            </a:fld>
-            <a:endParaRPr lang="en-US" noProof="0" dirty="0"/>
-          </a:p>
-        </p:txBody>
-      </p:sp>
-      <p:sp>
-        <p:nvSpPr>
           <p:cNvPr id="3" name="Text Placeholder 2"/>
           <p:cNvSpPr>
             <a:spLocks noGrp="1"/>
@@ -16685,6 +16304,36 @@
           </a:prstGeom>
         </p:spPr>
       </p:pic>
+      <p:sp>
+        <p:nvSpPr>
+          <p:cNvPr id="8" name="Slide Number Placeholder 7">
+            <a:extLst>
+              <a:ext uri="{FF2B5EF4-FFF2-40B4-BE49-F238E27FC236}">
+                <a16:creationId xmlns:a16="http://schemas.microsoft.com/office/drawing/2014/main" id="{F2790103-9754-5FB0-CE40-678948F2786B}"/>
+              </a:ext>
+            </a:extLst>
+          </p:cNvPr>
+          <p:cNvSpPr>
+            <a:spLocks noGrp="1"/>
+          </p:cNvSpPr>
+          <p:nvPr>
+            <p:ph type="sldNum" sz="quarter" idx="5"/>
+          </p:nvPr>
+        </p:nvSpPr>
+        <p:spPr/>
+        <p:txBody>
+          <a:bodyPr/>
+          <a:lstStyle/>
+          <a:p>
+            <a:fld id="{2BF067CD-8E6B-4360-9AA8-C5DF2A48A6D1}" type="slidenum">
+              <a:rPr lang="en-US" noProof="0" smtClean="0"/>
+              <a:pPr/>
+              <a:t>7</a:t>
+            </a:fld>
+            <a:endParaRPr lang="en-US" noProof="0" dirty="0"/>
+          </a:p>
+        </p:txBody>
+      </p:sp>
     </p:spTree>
     <p:extLst>
       <p:ext uri="{BB962C8B-B14F-4D97-AF65-F5344CB8AC3E}">
@@ -16983,30 +16632,6 @@
       </p:grpSpPr>
       <p:sp>
         <p:nvSpPr>
-          <p:cNvPr id="2" name="Slide Number Placeholder 1"/>
-          <p:cNvSpPr>
-            <a:spLocks noGrp="1"/>
-          </p:cNvSpPr>
-          <p:nvPr>
-            <p:ph type="sldNum" sz="quarter" idx="5"/>
-          </p:nvPr>
-        </p:nvSpPr>
-        <p:spPr/>
-        <p:txBody>
-          <a:bodyPr/>
-          <a:lstStyle/>
-          <a:p>
-            <a:fld id="{2BF067CD-8E6B-4360-9AA8-C5DF2A48A6D1}" type="slidenum">
-              <a:rPr lang="en-US" noProof="0" smtClean="0"/>
-              <a:pPr/>
-              <a:t>8</a:t>
-            </a:fld>
-            <a:endParaRPr lang="en-US" noProof="0" dirty="0"/>
-          </a:p>
-        </p:txBody>
-      </p:sp>
-      <p:sp>
-        <p:nvSpPr>
           <p:cNvPr id="3" name="Text Placeholder 2"/>
           <p:cNvSpPr>
             <a:spLocks noGrp="1"/>
@@ -17212,6 +16837,36 @@
           </a:prstGeom>
         </p:spPr>
       </p:pic>
+      <p:sp>
+        <p:nvSpPr>
+          <p:cNvPr id="5" name="Slide Number Placeholder 4">
+            <a:extLst>
+              <a:ext uri="{FF2B5EF4-FFF2-40B4-BE49-F238E27FC236}">
+                <a16:creationId xmlns:a16="http://schemas.microsoft.com/office/drawing/2014/main" id="{8711671F-B946-ABB2-7FC6-798F4BACCB45}"/>
+              </a:ext>
+            </a:extLst>
+          </p:cNvPr>
+          <p:cNvSpPr>
+            <a:spLocks noGrp="1"/>
+          </p:cNvSpPr>
+          <p:nvPr>
+            <p:ph type="sldNum" sz="quarter" idx="5"/>
+          </p:nvPr>
+        </p:nvSpPr>
+        <p:spPr/>
+        <p:txBody>
+          <a:bodyPr/>
+          <a:lstStyle/>
+          <a:p>
+            <a:fld id="{2BF067CD-8E6B-4360-9AA8-C5DF2A48A6D1}" type="slidenum">
+              <a:rPr lang="en-US" noProof="0" smtClean="0"/>
+              <a:pPr/>
+              <a:t>8</a:t>
+            </a:fld>
+            <a:endParaRPr lang="en-US" noProof="0" dirty="0"/>
+          </a:p>
+        </p:txBody>
+      </p:sp>
     </p:spTree>
     <p:extLst>
       <p:ext uri="{BB962C8B-B14F-4D97-AF65-F5344CB8AC3E}">
@@ -17608,30 +17263,6 @@
       </p:grpSpPr>
       <p:sp>
         <p:nvSpPr>
-          <p:cNvPr id="2" name="Slide Number Placeholder 1"/>
-          <p:cNvSpPr>
-            <a:spLocks noGrp="1"/>
-          </p:cNvSpPr>
-          <p:nvPr>
-            <p:ph type="sldNum" sz="quarter" idx="5"/>
-          </p:nvPr>
-        </p:nvSpPr>
-        <p:spPr/>
-        <p:txBody>
-          <a:bodyPr/>
-          <a:lstStyle/>
-          <a:p>
-            <a:fld id="{2BF067CD-8E6B-4360-9AA8-C5DF2A48A6D1}" type="slidenum">
-              <a:rPr lang="en-US" noProof="0" smtClean="0"/>
-              <a:pPr/>
-              <a:t>9</a:t>
-            </a:fld>
-            <a:endParaRPr lang="en-US" noProof="0" dirty="0"/>
-          </a:p>
-        </p:txBody>
-      </p:sp>
-      <p:sp>
-        <p:nvSpPr>
           <p:cNvPr id="3" name="Text Placeholder 2"/>
           <p:cNvSpPr>
             <a:spLocks noGrp="1"/>
@@ -17836,6 +17467,36 @@
           </a:prstGeom>
         </p:spPr>
       </p:pic>
+      <p:sp>
+        <p:nvSpPr>
+          <p:cNvPr id="9" name="Slide Number Placeholder 8">
+            <a:extLst>
+              <a:ext uri="{FF2B5EF4-FFF2-40B4-BE49-F238E27FC236}">
+                <a16:creationId xmlns:a16="http://schemas.microsoft.com/office/drawing/2014/main" id="{763D0899-D7E7-ADD5-D216-C8BD7BD4CBF0}"/>
+              </a:ext>
+            </a:extLst>
+          </p:cNvPr>
+          <p:cNvSpPr>
+            <a:spLocks noGrp="1"/>
+          </p:cNvSpPr>
+          <p:nvPr>
+            <p:ph type="sldNum" sz="quarter" idx="5"/>
+          </p:nvPr>
+        </p:nvSpPr>
+        <p:spPr/>
+        <p:txBody>
+          <a:bodyPr/>
+          <a:lstStyle/>
+          <a:p>
+            <a:fld id="{2BF067CD-8E6B-4360-9AA8-C5DF2A48A6D1}" type="slidenum">
+              <a:rPr lang="en-US" noProof="0" smtClean="0"/>
+              <a:pPr/>
+              <a:t>9</a:t>
+            </a:fld>
+            <a:endParaRPr lang="en-US" noProof="0" dirty="0"/>
+          </a:p>
+        </p:txBody>
+      </p:sp>
     </p:spTree>
     <p:extLst>
       <p:ext uri="{BB962C8B-B14F-4D97-AF65-F5344CB8AC3E}">

--- a/Courses/Computer-Modeling-and-IT/Computer-Modeling-and-IT-6-Class/01-Basic-Units-of-Information/01-Information-and-Units-of-Measurement.pptx
+++ b/Courses/Computer-Modeling-and-IT/Computer-Modeling-and-IT-6-Class/01-Basic-Units-of-Information/01-Information-and-Units-of-Measurement.pptx
@@ -279,7 +279,7 @@
           <a:p>
             <a:fld id="{4E087215-0C8F-4762-A664-737A353EC9A4}" type="datetimeFigureOut">
               <a:rPr lang="bg-BG" smtClean="0"/>
-              <a:t>13.05.24 г.</a:t>
+              <a:t>10.1.2025 г.</a:t>
             </a:fld>
             <a:endParaRPr lang="bg-BG"/>
           </a:p>
@@ -475,7 +475,7 @@
           <a:p>
             <a:fld id="{72D84649-876A-46C9-8472-14CB09C070D8}" type="datetimeFigureOut">
               <a:rPr lang="en-US" smtClean="0"/>
-              <a:t>5/13/24</a:t>
+              <a:t>1/10/2025</a:t>
             </a:fld>
             <a:endParaRPr lang="en-US"/>
           </a:p>
@@ -9068,7 +9068,7 @@
                                         <p:tgtEl>
                                           <p:spTgt spid="7">
                                             <p:txEl>
-                                              <p:pRg st="2" end="2"/>
+                                              <p:pRg st="1" end="1"/>
                                             </p:txEl>
                                           </p:spTgt>
                                         </p:tgtEl>
@@ -9110,6 +9110,55 @@
                                     <p:set>
                                       <p:cBhvr>
                                         <p:cTn id="10" dur="1" fill="hold">
+                                          <p:stCondLst>
+                                            <p:cond delay="0"/>
+                                          </p:stCondLst>
+                                        </p:cTn>
+                                        <p:tgtEl>
+                                          <p:spTgt spid="7">
+                                            <p:txEl>
+                                              <p:pRg st="2" end="2"/>
+                                            </p:txEl>
+                                          </p:spTgt>
+                                        </p:tgtEl>
+                                        <p:attrNameLst>
+                                          <p:attrName>style.visibility</p:attrName>
+                                        </p:attrNameLst>
+                                      </p:cBhvr>
+                                      <p:to>
+                                        <p:strVal val="visible"/>
+                                      </p:to>
+                                    </p:set>
+                                  </p:childTnLst>
+                                </p:cTn>
+                              </p:par>
+                            </p:childTnLst>
+                          </p:cTn>
+                        </p:par>
+                      </p:childTnLst>
+                    </p:cTn>
+                  </p:par>
+                  <p:par>
+                    <p:cTn id="11" fill="hold">
+                      <p:stCondLst>
+                        <p:cond delay="indefinite"/>
+                      </p:stCondLst>
+                      <p:childTnLst>
+                        <p:par>
+                          <p:cTn id="12" fill="hold">
+                            <p:stCondLst>
+                              <p:cond delay="0"/>
+                            </p:stCondLst>
+                            <p:childTnLst>
+                              <p:par>
+                                <p:cTn id="13" presetID="1" presetClass="entr" presetSubtype="0" fill="hold" nodeType="clickEffect">
+                                  <p:stCondLst>
+                                    <p:cond delay="0"/>
+                                  </p:stCondLst>
+                                  <p:childTnLst>
+                                    <p:set>
+                                      <p:cBhvr>
+                                        <p:cTn id="14" dur="1" fill="hold">
                                           <p:stCondLst>
                                             <p:cond delay="0"/>
                                           </p:stCondLst>
@@ -10949,43 +10998,21 @@
                                   </p:childTnLst>
                                 </p:cTn>
                               </p:par>
-                            </p:childTnLst>
-                          </p:cTn>
-                        </p:par>
-                      </p:childTnLst>
-                    </p:cTn>
-                  </p:par>
-                  <p:par>
-                    <p:cTn id="7" fill="hold">
-                      <p:stCondLst>
-                        <p:cond delay="indefinite"/>
-                      </p:stCondLst>
-                      <p:childTnLst>
-                        <p:par>
-                          <p:cTn id="8" fill="hold">
-                            <p:stCondLst>
-                              <p:cond delay="0"/>
-                            </p:stCondLst>
-                            <p:childTnLst>
                               <p:par>
-                                <p:cTn id="9" presetID="1" presetClass="entr" presetSubtype="0" fill="hold" nodeType="clickEffect">
+                                <p:cTn id="7" presetID="1" presetClass="entr" presetSubtype="0" fill="hold" nodeType="withEffect">
                                   <p:stCondLst>
                                     <p:cond delay="0"/>
                                   </p:stCondLst>
                                   <p:childTnLst>
                                     <p:set>
                                       <p:cBhvr>
-                                        <p:cTn id="10" dur="1" fill="hold">
+                                        <p:cTn id="8" dur="1" fill="hold">
                                           <p:stCondLst>
                                             <p:cond delay="0"/>
                                           </p:stCondLst>
                                         </p:cTn>
                                         <p:tgtEl>
-                                          <p:spTgt spid="3">
-                                            <p:txEl>
-                                              <p:pRg st="2" end="2"/>
-                                            </p:txEl>
-                                          </p:spTgt>
+                                          <p:spTgt spid="37"/>
                                         </p:tgtEl>
                                         <p:attrNameLst>
                                           <p:attrName>style.visibility</p:attrName>
@@ -10999,14 +11026,14 @@
                                 </p:cTn>
                               </p:par>
                               <p:par>
-                                <p:cTn id="11" presetID="1" presetClass="entr" presetSubtype="0" fill="hold" grpId="0" nodeType="withEffect">
+                                <p:cTn id="9" presetID="1" presetClass="entr" presetSubtype="0" fill="hold" grpId="0" nodeType="withEffect">
                                   <p:stCondLst>
                                     <p:cond delay="0"/>
                                   </p:stCondLst>
                                   <p:childTnLst>
                                     <p:set>
                                       <p:cBhvr>
-                                        <p:cTn id="12" dur="1" fill="hold">
+                                        <p:cTn id="10" dur="1" fill="hold">
                                           <p:stCondLst>
                                             <p:cond delay="0"/>
                                           </p:stCondLst>
@@ -11032,32 +11059,36 @@
                     </p:cTn>
                   </p:par>
                   <p:par>
-                    <p:cTn id="13" fill="hold">
+                    <p:cTn id="11" fill="hold">
                       <p:stCondLst>
                         <p:cond delay="indefinite"/>
                       </p:stCondLst>
                       <p:childTnLst>
                         <p:par>
-                          <p:cTn id="14" fill="hold">
+                          <p:cTn id="12" fill="hold">
                             <p:stCondLst>
                               <p:cond delay="0"/>
                             </p:stCondLst>
                             <p:childTnLst>
                               <p:par>
-                                <p:cTn id="15" presetID="1" presetClass="entr" presetSubtype="0" fill="hold" grpId="0" nodeType="clickEffect">
+                                <p:cTn id="13" presetID="1" presetClass="entr" presetSubtype="0" fill="hold" nodeType="clickEffect">
                                   <p:stCondLst>
                                     <p:cond delay="0"/>
                                   </p:stCondLst>
                                   <p:childTnLst>
                                     <p:set>
                                       <p:cBhvr>
-                                        <p:cTn id="16" dur="1" fill="hold">
+                                        <p:cTn id="14" dur="1" fill="hold">
                                           <p:stCondLst>
                                             <p:cond delay="0"/>
                                           </p:stCondLst>
                                         </p:cTn>
                                         <p:tgtEl>
-                                          <p:spTgt spid="7"/>
+                                          <p:spTgt spid="3">
+                                            <p:txEl>
+                                              <p:pRg st="2" end="2"/>
+                                            </p:txEl>
+                                          </p:spTgt>
                                         </p:tgtEl>
                                         <p:attrNameLst>
                                           <p:attrName>style.visibility</p:attrName>
@@ -11071,7 +11102,34 @@
                                 </p:cTn>
                               </p:par>
                               <p:par>
-                                <p:cTn id="17" presetID="1" presetClass="entr" presetSubtype="0" fill="hold" grpId="0" nodeType="withEffect">
+                                <p:cTn id="15" presetID="1" presetClass="entr" presetSubtype="0" fill="hold" grpId="0" nodeType="withEffect">
+                                  <p:stCondLst>
+                                    <p:cond delay="0"/>
+                                  </p:stCondLst>
+                                  <p:childTnLst>
+                                    <p:set>
+                                      <p:cBhvr>
+                                        <p:cTn id="16" dur="1" fill="hold">
+                                          <p:stCondLst>
+                                            <p:cond delay="0"/>
+                                          </p:stCondLst>
+                                        </p:cTn>
+                                        <p:tgtEl>
+                                          <p:spTgt spid="26"/>
+                                        </p:tgtEl>
+                                        <p:attrNameLst>
+                                          <p:attrName>style.visibility</p:attrName>
+                                        </p:attrNameLst>
+                                      </p:cBhvr>
+                                      <p:to>
+                                        <p:strVal val="visible"/>
+                                      </p:to>
+                                    </p:set>
+                                  </p:childTnLst>
+                                </p:cTn>
+                              </p:par>
+                              <p:par>
+                                <p:cTn id="17" presetID="1" presetClass="entr" presetSubtype="0" fill="hold" nodeType="withEffect">
                                   <p:stCondLst>
                                     <p:cond delay="0"/>
                                   </p:stCondLst>
@@ -11084,7 +11142,52 @@
                                           </p:stCondLst>
                                         </p:cTn>
                                         <p:tgtEl>
-                                          <p:spTgt spid="26"/>
+                                          <p:spTgt spid="36"/>
+                                        </p:tgtEl>
+                                        <p:attrNameLst>
+                                          <p:attrName>style.visibility</p:attrName>
+                                        </p:attrNameLst>
+                                      </p:cBhvr>
+                                      <p:to>
+                                        <p:strVal val="visible"/>
+                                      </p:to>
+                                    </p:set>
+                                  </p:childTnLst>
+                                </p:cTn>
+                              </p:par>
+                            </p:childTnLst>
+                          </p:cTn>
+                        </p:par>
+                      </p:childTnLst>
+                    </p:cTn>
+                  </p:par>
+                  <p:par>
+                    <p:cTn id="19" fill="hold">
+                      <p:stCondLst>
+                        <p:cond delay="indefinite"/>
+                      </p:stCondLst>
+                      <p:childTnLst>
+                        <p:par>
+                          <p:cTn id="20" fill="hold">
+                            <p:stCondLst>
+                              <p:cond delay="0"/>
+                            </p:stCondLst>
+                            <p:childTnLst>
+                              <p:par>
+                                <p:cTn id="21" presetID="1" presetClass="entr" presetSubtype="0" fill="hold" grpId="0" nodeType="clickEffect">
+                                  <p:stCondLst>
+                                    <p:cond delay="0"/>
+                                  </p:stCondLst>
+                                  <p:childTnLst>
+                                    <p:set>
+                                      <p:cBhvr>
+                                        <p:cTn id="22" dur="1" fill="hold">
+                                          <p:stCondLst>
+                                            <p:cond delay="0"/>
+                                          </p:stCondLst>
+                                        </p:cTn>
+                                        <p:tgtEl>
+                                          <p:spTgt spid="7"/>
                                         </p:tgtEl>
                                         <p:attrNameLst>
                                           <p:attrName>style.visibility</p:attrName>
@@ -12268,7 +12371,7 @@
             <a:r>
               <a:rPr lang="bg-BG" sz="3200" b="1" dirty="0">
                 <a:solidFill>
-                  <a:schemeClr val="bg1">
+                  <a:schemeClr val="accent1">
                     <a:lumMod val="60000"/>
                     <a:lumOff val="40000"/>
                   </a:schemeClr>
@@ -13750,11 +13853,11 @@
   <p:clrMapOvr>
     <a:masterClrMapping/>
   </p:clrMapOvr>
-  <mc:AlternateContent xmlns:mc="http://schemas.openxmlformats.org/markup-compatibility/2006">
-    <mc:Choice xmlns:p14="http://schemas.microsoft.com/office/powerpoint/2010/main" Requires="p14">
+  <mc:AlternateContent xmlns:mc="http://schemas.openxmlformats.org/markup-compatibility/2006" xmlns:p14="http://schemas.microsoft.com/office/powerpoint/2010/main">
+    <mc:Choice Requires="p14">
       <p:transition spd="slow" p14:dur="2000" advClick="0" advTm="5000"/>
     </mc:Choice>
-    <mc:Fallback>
+    <mc:Fallback xmlns="">
       <p:transition spd="slow" advClick="0" advTm="5000"/>
     </mc:Fallback>
   </mc:AlternateContent>
@@ -14379,15 +14482,33 @@
                                   </p:childTnLst>
                                 </p:cTn>
                               </p:par>
+                            </p:childTnLst>
+                          </p:cTn>
+                        </p:par>
+                      </p:childTnLst>
+                    </p:cTn>
+                  </p:par>
+                  <p:par>
+                    <p:cTn id="23" fill="hold">
+                      <p:stCondLst>
+                        <p:cond delay="indefinite"/>
+                      </p:stCondLst>
+                      <p:childTnLst>
+                        <p:par>
+                          <p:cTn id="24" fill="hold">
+                            <p:stCondLst>
+                              <p:cond delay="0"/>
+                            </p:stCondLst>
+                            <p:childTnLst>
                               <p:par>
-                                <p:cTn id="23" presetID="1" presetClass="entr" presetSubtype="0" fill="hold" nodeType="withEffect">
+                                <p:cTn id="25" presetID="1" presetClass="entr" presetSubtype="0" fill="hold" nodeType="clickEffect">
                                   <p:stCondLst>
                                     <p:cond delay="0"/>
                                   </p:stCondLst>
                                   <p:childTnLst>
                                     <p:set>
                                       <p:cBhvr>
-                                        <p:cTn id="24" dur="1" fill="hold">
+                                        <p:cTn id="26" dur="1" fill="hold">
                                           <p:stCondLst>
                                             <p:cond delay="9"/>
                                           </p:stCondLst>
@@ -14622,21 +14743,53 @@
           <a:p>
             <a:r>
               <a:rPr lang="bg-BG" dirty="0"/>
-              <a:t>Какво представляват данните?</a:t>
+              <a:t>Какво представляват </a:t>
+            </a:r>
+            <a:r>
+              <a:rPr lang="bg-BG" b="1" dirty="0">
+                <a:solidFill>
+                  <a:schemeClr val="bg1"/>
+                </a:solidFill>
+              </a:rPr>
+              <a:t>данните</a:t>
+            </a:r>
+            <a:r>
+              <a:rPr lang="bg-BG" dirty="0"/>
+              <a:t>?</a:t>
             </a:r>
           </a:p>
           <a:p>
             <a:pPr lvl="1"/>
             <a:r>
               <a:rPr lang="bg-BG" dirty="0"/>
-              <a:t>͏Данни – символно записани факти</a:t>
+              <a:t>͏</a:t>
+            </a:r>
+            <a:r>
+              <a:rPr lang="bg-BG" b="1" dirty="0">
+                <a:solidFill>
+                  <a:schemeClr val="bg1"/>
+                </a:solidFill>
+              </a:rPr>
+              <a:t>Данни</a:t>
+            </a:r>
+            <a:r>
+              <a:rPr lang="bg-BG" dirty="0"/>
+              <a:t> – символно записани факти</a:t>
             </a:r>
           </a:p>
           <a:p>
             <a:pPr lvl="2"/>
             <a:r>
               <a:rPr lang="ru-RU" dirty="0"/>
-              <a:t>Те са неструктурирани сведения за даден обект или явление</a:t>
+              <a:t>Те са </a:t>
+            </a:r>
+            <a:r>
+              <a:rPr lang="ru-RU" b="1" dirty="0"/>
+              <a:t>неструктурирани сведения </a:t>
+            </a:r>
+            <a:r>
+              <a:rPr lang="ru-RU" dirty="0"/>
+              <a:t>за даден обект или явление</a:t>
             </a:r>
             <a:endParaRPr lang="bg-BG" dirty="0"/>
           </a:p>
@@ -14951,6 +15104,153 @@
                                           </p:stCondLst>
                                         </p:cTn>
                                         <p:tgtEl>
+                                          <p:spTgt spid="5">
+                                            <p:txEl>
+                                              <p:pRg st="1" end="1"/>
+                                            </p:txEl>
+                                          </p:spTgt>
+                                        </p:tgtEl>
+                                        <p:attrNameLst>
+                                          <p:attrName>style.visibility</p:attrName>
+                                        </p:attrNameLst>
+                                      </p:cBhvr>
+                                      <p:to>
+                                        <p:strVal val="visible"/>
+                                      </p:to>
+                                    </p:set>
+                                  </p:childTnLst>
+                                </p:cTn>
+                              </p:par>
+                            </p:childTnLst>
+                          </p:cTn>
+                        </p:par>
+                      </p:childTnLst>
+                    </p:cTn>
+                  </p:par>
+                  <p:par>
+                    <p:cTn id="7" fill="hold">
+                      <p:stCondLst>
+                        <p:cond delay="indefinite"/>
+                      </p:stCondLst>
+                      <p:childTnLst>
+                        <p:par>
+                          <p:cTn id="8" fill="hold">
+                            <p:stCondLst>
+                              <p:cond delay="0"/>
+                            </p:stCondLst>
+                            <p:childTnLst>
+                              <p:par>
+                                <p:cTn id="9" presetID="1" presetClass="entr" presetSubtype="0" fill="hold" nodeType="clickEffect">
+                                  <p:stCondLst>
+                                    <p:cond delay="0"/>
+                                  </p:stCondLst>
+                                  <p:childTnLst>
+                                    <p:set>
+                                      <p:cBhvr>
+                                        <p:cTn id="10" dur="1" fill="hold">
+                                          <p:stCondLst>
+                                            <p:cond delay="0"/>
+                                          </p:stCondLst>
+                                        </p:cTn>
+                                        <p:tgtEl>
+                                          <p:spTgt spid="5">
+                                            <p:txEl>
+                                              <p:pRg st="2" end="2"/>
+                                            </p:txEl>
+                                          </p:spTgt>
+                                        </p:tgtEl>
+                                        <p:attrNameLst>
+                                          <p:attrName>style.visibility</p:attrName>
+                                        </p:attrNameLst>
+                                      </p:cBhvr>
+                                      <p:to>
+                                        <p:strVal val="visible"/>
+                                      </p:to>
+                                    </p:set>
+                                  </p:childTnLst>
+                                </p:cTn>
+                              </p:par>
+                            </p:childTnLst>
+                          </p:cTn>
+                        </p:par>
+                      </p:childTnLst>
+                    </p:cTn>
+                  </p:par>
+                  <p:par>
+                    <p:cTn id="11" fill="hold">
+                      <p:stCondLst>
+                        <p:cond delay="indefinite"/>
+                      </p:stCondLst>
+                      <p:childTnLst>
+                        <p:par>
+                          <p:cTn id="12" fill="hold">
+                            <p:stCondLst>
+                              <p:cond delay="0"/>
+                            </p:stCondLst>
+                            <p:childTnLst>
+                              <p:par>
+                                <p:cTn id="13" presetID="1" presetClass="entr" presetSubtype="0" fill="hold" nodeType="clickEffect">
+                                  <p:stCondLst>
+                                    <p:cond delay="0"/>
+                                  </p:stCondLst>
+                                  <p:childTnLst>
+                                    <p:set>
+                                      <p:cBhvr>
+                                        <p:cTn id="14" dur="1" fill="hold">
+                                          <p:stCondLst>
+                                            <p:cond delay="0"/>
+                                          </p:stCondLst>
+                                        </p:cTn>
+                                        <p:tgtEl>
+                                          <p:spTgt spid="5">
+                                            <p:txEl>
+                                              <p:pRg st="3" end="3"/>
+                                            </p:txEl>
+                                          </p:spTgt>
+                                        </p:tgtEl>
+                                        <p:attrNameLst>
+                                          <p:attrName>style.visibility</p:attrName>
+                                        </p:attrNameLst>
+                                      </p:cBhvr>
+                                      <p:to>
+                                        <p:strVal val="visible"/>
+                                      </p:to>
+                                    </p:set>
+                                  </p:childTnLst>
+                                </p:cTn>
+                              </p:par>
+                            </p:childTnLst>
+                          </p:cTn>
+                        </p:par>
+                      </p:childTnLst>
+                    </p:cTn>
+                  </p:par>
+                  <p:par>
+                    <p:cTn id="15" fill="hold">
+                      <p:stCondLst>
+                        <p:cond delay="indefinite"/>
+                      </p:stCondLst>
+                      <p:childTnLst>
+                        <p:par>
+                          <p:cTn id="16" fill="hold">
+                            <p:stCondLst>
+                              <p:cond delay="0"/>
+                            </p:stCondLst>
+                            <p:childTnLst>
+                              <p:par>
+                                <p:cTn id="17" presetID="1" presetClass="entr" presetSubtype="0" fill="hold" nodeType="clickEffect">
+                                  <p:stCondLst>
+                                    <p:cond delay="0"/>
+                                  </p:stCondLst>
+                                  <p:childTnLst>
+                                    <p:set>
+                                      <p:cBhvr>
+                                        <p:cTn id="18" dur="1" fill="hold">
+                                          <p:stCondLst>
+                                            <p:cond delay="0"/>
+                                          </p:stCondLst>
+                                        </p:cTn>
+                                        <p:tgtEl>
                                           <p:spTgt spid="3082"/>
                                         </p:tgtEl>
                                         <p:attrNameLst>
@@ -14965,14 +15265,14 @@
                                 </p:cTn>
                               </p:par>
                               <p:par>
-                                <p:cTn id="7" presetID="1" presetClass="entr" presetSubtype="0" fill="hold" nodeType="withEffect">
+                                <p:cTn id="19" presetID="1" presetClass="entr" presetSubtype="0" fill="hold" nodeType="withEffect">
                                   <p:stCondLst>
                                     <p:cond delay="0"/>
                                   </p:stCondLst>
                                   <p:childTnLst>
                                     <p:set>
                                       <p:cBhvr>
-                                        <p:cTn id="8" dur="1" fill="hold">
+                                        <p:cTn id="20" dur="1" fill="hold">
                                           <p:stCondLst>
                                             <p:cond delay="0"/>
                                           </p:stCondLst>
